--- a/phonebook3.pptx
+++ b/phonebook3.pptx
@@ -106,6 +106,11 @@
       </a:defRPr>
     </a:lvl9pPr>
   </p:defaultTextStyle>
+  <p:extLst>
+    <p:ext uri="{EFAFB233-063F-42B5-8137-9DF3F51BA10A}">
+      <p15:sldGuideLst xmlns:p15="http://schemas.microsoft.com/office/powerpoint/2012/main"/>
+    </p:ext>
+  </p:extLst>
 </p:presentation>
 </file>
 
@@ -256,7 +261,7 @@
           <a:p>
             <a:fld id="{4155AE3C-B31C-42B3-AA3D-3DF3BAB6E2CD}" type="datetimeFigureOut">
               <a:rPr lang="ko-KR" altLang="en-US" smtClean="0"/>
-              <a:t>2021-07-25</a:t>
+              <a:t>2021-07-26</a:t>
             </a:fld>
             <a:endParaRPr lang="ko-KR" altLang="en-US"/>
           </a:p>
@@ -454,7 +459,7 @@
           <a:p>
             <a:fld id="{4155AE3C-B31C-42B3-AA3D-3DF3BAB6E2CD}" type="datetimeFigureOut">
               <a:rPr lang="ko-KR" altLang="en-US" smtClean="0"/>
-              <a:t>2021-07-25</a:t>
+              <a:t>2021-07-26</a:t>
             </a:fld>
             <a:endParaRPr lang="ko-KR" altLang="en-US"/>
           </a:p>
@@ -662,7 +667,7 @@
           <a:p>
             <a:fld id="{4155AE3C-B31C-42B3-AA3D-3DF3BAB6E2CD}" type="datetimeFigureOut">
               <a:rPr lang="ko-KR" altLang="en-US" smtClean="0"/>
-              <a:t>2021-07-25</a:t>
+              <a:t>2021-07-26</a:t>
             </a:fld>
             <a:endParaRPr lang="ko-KR" altLang="en-US"/>
           </a:p>
@@ -860,7 +865,7 @@
           <a:p>
             <a:fld id="{4155AE3C-B31C-42B3-AA3D-3DF3BAB6E2CD}" type="datetimeFigureOut">
               <a:rPr lang="ko-KR" altLang="en-US" smtClean="0"/>
-              <a:t>2021-07-25</a:t>
+              <a:t>2021-07-26</a:t>
             </a:fld>
             <a:endParaRPr lang="ko-KR" altLang="en-US"/>
           </a:p>
@@ -1135,7 +1140,7 @@
           <a:p>
             <a:fld id="{4155AE3C-B31C-42B3-AA3D-3DF3BAB6E2CD}" type="datetimeFigureOut">
               <a:rPr lang="ko-KR" altLang="en-US" smtClean="0"/>
-              <a:t>2021-07-25</a:t>
+              <a:t>2021-07-26</a:t>
             </a:fld>
             <a:endParaRPr lang="ko-KR" altLang="en-US"/>
           </a:p>
@@ -1400,7 +1405,7 @@
           <a:p>
             <a:fld id="{4155AE3C-B31C-42B3-AA3D-3DF3BAB6E2CD}" type="datetimeFigureOut">
               <a:rPr lang="ko-KR" altLang="en-US" smtClean="0"/>
-              <a:t>2021-07-25</a:t>
+              <a:t>2021-07-26</a:t>
             </a:fld>
             <a:endParaRPr lang="ko-KR" altLang="en-US"/>
           </a:p>
@@ -1812,7 +1817,7 @@
           <a:p>
             <a:fld id="{4155AE3C-B31C-42B3-AA3D-3DF3BAB6E2CD}" type="datetimeFigureOut">
               <a:rPr lang="ko-KR" altLang="en-US" smtClean="0"/>
-              <a:t>2021-07-25</a:t>
+              <a:t>2021-07-26</a:t>
             </a:fld>
             <a:endParaRPr lang="ko-KR" altLang="en-US"/>
           </a:p>
@@ -1953,7 +1958,7 @@
           <a:p>
             <a:fld id="{4155AE3C-B31C-42B3-AA3D-3DF3BAB6E2CD}" type="datetimeFigureOut">
               <a:rPr lang="ko-KR" altLang="en-US" smtClean="0"/>
-              <a:t>2021-07-25</a:t>
+              <a:t>2021-07-26</a:t>
             </a:fld>
             <a:endParaRPr lang="ko-KR" altLang="en-US"/>
           </a:p>
@@ -2066,7 +2071,7 @@
           <a:p>
             <a:fld id="{4155AE3C-B31C-42B3-AA3D-3DF3BAB6E2CD}" type="datetimeFigureOut">
               <a:rPr lang="ko-KR" altLang="en-US" smtClean="0"/>
-              <a:t>2021-07-25</a:t>
+              <a:t>2021-07-26</a:t>
             </a:fld>
             <a:endParaRPr lang="ko-KR" altLang="en-US"/>
           </a:p>
@@ -2377,7 +2382,7 @@
           <a:p>
             <a:fld id="{4155AE3C-B31C-42B3-AA3D-3DF3BAB6E2CD}" type="datetimeFigureOut">
               <a:rPr lang="ko-KR" altLang="en-US" smtClean="0"/>
-              <a:t>2021-07-25</a:t>
+              <a:t>2021-07-26</a:t>
             </a:fld>
             <a:endParaRPr lang="ko-KR" altLang="en-US"/>
           </a:p>
@@ -2665,7 +2670,7 @@
           <a:p>
             <a:fld id="{4155AE3C-B31C-42B3-AA3D-3DF3BAB6E2CD}" type="datetimeFigureOut">
               <a:rPr lang="ko-KR" altLang="en-US" smtClean="0"/>
-              <a:t>2021-07-25</a:t>
+              <a:t>2021-07-26</a:t>
             </a:fld>
             <a:endParaRPr lang="ko-KR" altLang="en-US"/>
           </a:p>
@@ -2906,7 +2911,7 @@
           <a:p>
             <a:fld id="{4155AE3C-B31C-42B3-AA3D-3DF3BAB6E2CD}" type="datetimeFigureOut">
               <a:rPr lang="ko-KR" altLang="en-US" smtClean="0"/>
-              <a:t>2021-07-25</a:t>
+              <a:t>2021-07-26</a:t>
             </a:fld>
             <a:endParaRPr lang="ko-KR" altLang="en-US"/>
           </a:p>
@@ -8285,22 +8290,14 @@
           </a:p>
           <a:p>
             <a:r>
-              <a:rPr lang="en-US" altLang="ko-KR" sz="1600" b="1" dirty="0">
+              <a:rPr lang="ko-KR" altLang="en-US" sz="1200" b="1" dirty="0" err="1">
                 <a:solidFill>
                   <a:schemeClr val="tx1"/>
                 </a:solidFill>
               </a:rPr>
-              <a:t>html &lt;- </a:t>
+              <a:t>리다이렉트</a:t>
             </a:r>
-            <a:r>
-              <a:rPr lang="en-US" altLang="ko-KR" sz="1600" b="1" dirty="0" err="1">
-                <a:solidFill>
-                  <a:schemeClr val="tx1"/>
-                </a:solidFill>
-              </a:rPr>
-              <a:t>jsp</a:t>
-            </a:r>
-            <a:endParaRPr lang="en-US" altLang="ko-KR" sz="1600" b="1" dirty="0">
+            <a:endParaRPr lang="en-US" altLang="ko-KR" sz="1200" b="1" dirty="0">
               <a:solidFill>
                 <a:schemeClr val="tx1"/>
               </a:solidFill>
@@ -8925,15 +8922,7 @@
             <a:pPr algn="ctr"/>
             <a:r>
               <a:rPr lang="en-US" altLang="ko-KR" dirty="0"/>
-              <a:t>Return “</a:t>
-            </a:r>
-            <a:r>
-              <a:rPr lang="en-US" altLang="ko-KR" dirty="0" err="1"/>
-              <a:t>list.jsp</a:t>
-            </a:r>
-            <a:r>
-              <a:rPr lang="en-US" altLang="ko-KR" dirty="0"/>
-              <a:t>”</a:t>
+              <a:t>Return “redirect:/list”</a:t>
             </a:r>
             <a:endParaRPr lang="ko-KR" altLang="en-US" dirty="0"/>
           </a:p>
@@ -9052,6 +9041,14 @@
             <a:pPr algn="ctr"/>
             <a:r>
               <a:rPr lang="ko-KR" altLang="en-US" dirty="0" err="1"/>
+              <a:t>빈화면</a:t>
+            </a:r>
+            <a:endParaRPr lang="en-US" altLang="ko-KR" dirty="0"/>
+          </a:p>
+          <a:p>
+            <a:pPr algn="ctr"/>
+            <a:r>
+              <a:rPr lang="ko-KR" altLang="en-US" dirty="0" err="1"/>
               <a:t>리다이렉트</a:t>
             </a:r>
             <a:endParaRPr lang="ko-KR" altLang="en-US" dirty="0"/>
@@ -9075,7 +9072,7 @@
         <p:spPr>
           <a:xfrm>
             <a:off x="1329948" y="3782413"/>
-            <a:ext cx="605384" cy="840912"/>
+            <a:ext cx="425348" cy="1352063"/>
           </a:xfrm>
           <a:prstGeom prst="straightConnector1">
             <a:avLst/>
@@ -9350,8 +9347,8 @@
             </p:nvSpPr>
             <p:spPr bwMode="auto">
               <a:xfrm>
-                <a:off x="1179768" y="2064609"/>
-                <a:ext cx="2763325" cy="1795344"/>
+                <a:off x="992217" y="2064609"/>
+                <a:ext cx="2950875" cy="1795345"/>
               </a:xfrm>
               <a:prstGeom prst="rect">
                 <a:avLst/>
@@ -10847,8 +10844,8 @@
             </p:nvSpPr>
             <p:spPr bwMode="auto">
               <a:xfrm>
-                <a:off x="4591418" y="3211593"/>
-                <a:ext cx="2306669" cy="937272"/>
+                <a:off x="4591418" y="3211592"/>
+                <a:ext cx="2492097" cy="937272"/>
               </a:xfrm>
               <a:prstGeom prst="rect">
                 <a:avLst/>
@@ -11054,7 +11051,7 @@
                   <a:buNone/>
                   <a:defRPr/>
                 </a:pPr>
-                <a:endParaRPr lang="en-US" altLang="ko-KR" sz="1600" b="0">
+                <a:endParaRPr lang="en-US" altLang="ko-KR" sz="1600" b="0" dirty="0">
                   <a:latin typeface="+mn-ea"/>
                   <a:ea typeface="+mn-ea"/>
                 </a:endParaRPr>
@@ -11073,12 +11070,16 @@
                   <a:defRPr/>
                 </a:pPr>
                 <a:r>
-                  <a:rPr lang="en-US" altLang="ko-KR" sz="1600">
+                  <a:rPr lang="en-US" altLang="ko-KR" sz="1600" dirty="0" err="1">
                     <a:latin typeface="+mn-ea"/>
                     <a:ea typeface="+mn-ea"/>
                   </a:rPr>
                   <a:t>ModelAndView</a:t>
                 </a:r>
+                <a:endParaRPr lang="en-US" altLang="ko-KR" sz="1600" dirty="0">
+                  <a:latin typeface="+mn-ea"/>
+                  <a:ea typeface="+mn-ea"/>
+                </a:endParaRPr>
               </a:p>
               <a:p>
                 <a:pPr algn="ctr" eaLnBrk="1" hangingPunct="1">
@@ -11093,7 +11094,7 @@
                   <a:buNone/>
                   <a:defRPr/>
                 </a:pPr>
-                <a:endParaRPr lang="ko-KR" altLang="en-US" sz="1600">
+                <a:endParaRPr lang="ko-KR" altLang="en-US" sz="1600" dirty="0">
                   <a:latin typeface="+mn-ea"/>
                   <a:ea typeface="+mn-ea"/>
                 </a:endParaRPr>
@@ -11158,8 +11159,8 @@
             </p:nvCxnSpPr>
             <p:spPr bwMode="auto">
               <a:xfrm>
-                <a:off x="2561432" y="3859953"/>
-                <a:ext cx="122548" cy="1055567"/>
+                <a:off x="2467656" y="3859954"/>
+                <a:ext cx="216323" cy="1055565"/>
               </a:xfrm>
               <a:prstGeom prst="straightConnector1">
                 <a:avLst/>
@@ -13498,181 +13499,6 @@
       </p:sp>
       <p:sp>
         <p:nvSpPr>
-          <p:cNvPr id="107" name="사각형: 둥근 모서리 106">
-            <a:extLst>
-              <a:ext uri="{FF2B5EF4-FFF2-40B4-BE49-F238E27FC236}">
-                <a16:creationId xmlns:a16="http://schemas.microsoft.com/office/drawing/2014/main" id="{5792A684-C5E7-4FAF-B057-51208B25FAA4}"/>
-              </a:ext>
-            </a:extLst>
-          </p:cNvPr>
-          <p:cNvSpPr/>
-          <p:nvPr/>
-        </p:nvSpPr>
-        <p:spPr>
-          <a:xfrm>
-            <a:off x="12847320" y="1266152"/>
-            <a:ext cx="2257763" cy="1666216"/>
-          </a:xfrm>
-          <a:prstGeom prst="roundRect">
-            <a:avLst/>
-          </a:prstGeom>
-          <a:solidFill>
-            <a:schemeClr val="bg1"/>
-          </a:solidFill>
-        </p:spPr>
-        <p:style>
-          <a:lnRef idx="2">
-            <a:schemeClr val="accent1">
-              <a:shade val="50000"/>
-            </a:schemeClr>
-          </a:lnRef>
-          <a:fillRef idx="1">
-            <a:schemeClr val="accent1"/>
-          </a:fillRef>
-          <a:effectRef idx="0">
-            <a:schemeClr val="accent1"/>
-          </a:effectRef>
-          <a:fontRef idx="minor">
-            <a:schemeClr val="lt1"/>
-          </a:fontRef>
-        </p:style>
-        <p:txBody>
-          <a:bodyPr rtlCol="0" anchor="ctr"/>
-          <a:lstStyle/>
-          <a:p>
-            <a:pPr algn="ctr"/>
-            <a:endParaRPr lang="ko-KR" altLang="en-US"/>
-          </a:p>
-        </p:txBody>
-      </p:sp>
-      <p:sp>
-        <p:nvSpPr>
-          <p:cNvPr id="108" name="TextBox 107">
-            <a:extLst>
-              <a:ext uri="{FF2B5EF4-FFF2-40B4-BE49-F238E27FC236}">
-                <a16:creationId xmlns:a16="http://schemas.microsoft.com/office/drawing/2014/main" id="{9CD77D51-5707-4F0D-951F-3B6FEE627BF6}"/>
-              </a:ext>
-            </a:extLst>
-          </p:cNvPr>
-          <p:cNvSpPr txBox="1"/>
-          <p:nvPr/>
-        </p:nvSpPr>
-        <p:spPr>
-          <a:xfrm>
-            <a:off x="12957103" y="775578"/>
-            <a:ext cx="2094086" cy="400110"/>
-          </a:xfrm>
-          <a:prstGeom prst="rect">
-            <a:avLst/>
-          </a:prstGeom>
-          <a:noFill/>
-        </p:spPr>
-        <p:txBody>
-          <a:bodyPr wrap="square" rtlCol="0">
-            <a:spAutoFit/>
-          </a:bodyPr>
-          <a:lstStyle/>
-          <a:p>
-            <a:r>
-              <a:rPr lang="en-US" altLang="ko-KR" sz="2000" b="1" dirty="0" err="1"/>
-              <a:t>PhoneDao</a:t>
-            </a:r>
-            <a:r>
-              <a:rPr lang="en-US" altLang="ko-KR" sz="2000" b="1" dirty="0"/>
-              <a:t> </a:t>
-            </a:r>
-            <a:r>
-              <a:rPr lang="ko-KR" altLang="en-US" sz="2000" b="1" dirty="0"/>
-              <a:t>객체</a:t>
-            </a:r>
-          </a:p>
-        </p:txBody>
-      </p:sp>
-      <p:sp>
-        <p:nvSpPr>
-          <p:cNvPr id="109" name="원통형 108">
-            <a:extLst>
-              <a:ext uri="{FF2B5EF4-FFF2-40B4-BE49-F238E27FC236}">
-                <a16:creationId xmlns:a16="http://schemas.microsoft.com/office/drawing/2014/main" id="{2DEF2BC2-EE78-4D23-9D52-A6B22E7AEC7B}"/>
-              </a:ext>
-            </a:extLst>
-          </p:cNvPr>
-          <p:cNvSpPr/>
-          <p:nvPr/>
-        </p:nvSpPr>
-        <p:spPr>
-          <a:xfrm>
-            <a:off x="12957103" y="3669060"/>
-            <a:ext cx="1924825" cy="2168820"/>
-          </a:xfrm>
-          <a:prstGeom prst="can">
-            <a:avLst/>
-          </a:prstGeom>
-          <a:noFill/>
-        </p:spPr>
-        <p:style>
-          <a:lnRef idx="2">
-            <a:schemeClr val="accent1">
-              <a:shade val="50000"/>
-            </a:schemeClr>
-          </a:lnRef>
-          <a:fillRef idx="1">
-            <a:schemeClr val="accent1"/>
-          </a:fillRef>
-          <a:effectRef idx="0">
-            <a:schemeClr val="accent1"/>
-          </a:effectRef>
-          <a:fontRef idx="minor">
-            <a:schemeClr val="lt1"/>
-          </a:fontRef>
-        </p:style>
-        <p:txBody>
-          <a:bodyPr rtlCol="0" anchor="ctr"/>
-          <a:lstStyle/>
-          <a:p>
-            <a:pPr algn="ctr"/>
-            <a:endParaRPr lang="ko-KR" altLang="en-US" dirty="0"/>
-          </a:p>
-        </p:txBody>
-      </p:sp>
-      <p:sp>
-        <p:nvSpPr>
-          <p:cNvPr id="110" name="TextBox 109">
-            <a:extLst>
-              <a:ext uri="{FF2B5EF4-FFF2-40B4-BE49-F238E27FC236}">
-                <a16:creationId xmlns:a16="http://schemas.microsoft.com/office/drawing/2014/main" id="{0F4B8BB8-8A7F-4201-B717-EE0BAC03DF46}"/>
-              </a:ext>
-            </a:extLst>
-          </p:cNvPr>
-          <p:cNvSpPr txBox="1"/>
-          <p:nvPr/>
-        </p:nvSpPr>
-        <p:spPr>
-          <a:xfrm>
-            <a:off x="13517880" y="4611753"/>
-            <a:ext cx="1021080" cy="646331"/>
-          </a:xfrm>
-          <a:prstGeom prst="rect">
-            <a:avLst/>
-          </a:prstGeom>
-          <a:noFill/>
-        </p:spPr>
-        <p:txBody>
-          <a:bodyPr wrap="square" rtlCol="0">
-            <a:spAutoFit/>
-          </a:bodyPr>
-          <a:lstStyle/>
-          <a:p>
-            <a:r>
-              <a:rPr lang="en-US" altLang="ko-KR" sz="3600" b="1" dirty="0"/>
-              <a:t>DB</a:t>
-            </a:r>
-            <a:endParaRPr lang="ko-KR" altLang="en-US" sz="3600" b="1" dirty="0"/>
-          </a:p>
-        </p:txBody>
-      </p:sp>
-      <p:sp>
-        <p:nvSpPr>
           <p:cNvPr id="111" name="사각형: 둥근 모서리 110">
             <a:extLst>
               <a:ext uri="{FF2B5EF4-FFF2-40B4-BE49-F238E27FC236}">
@@ -13685,8 +13511,8 @@
         </p:nvSpPr>
         <p:spPr>
           <a:xfrm>
-            <a:off x="4152451" y="2433575"/>
-            <a:ext cx="2213775" cy="1426447"/>
+            <a:off x="3997589" y="2433575"/>
+            <a:ext cx="2368638" cy="1426447"/>
           </a:xfrm>
           <a:prstGeom prst="roundRect">
             <a:avLst/>
@@ -13757,7 +13583,25 @@
             </a:endParaRPr>
           </a:p>
           <a:p>
-            <a:endParaRPr lang="en-US" altLang="ko-KR" sz="2800" b="1" dirty="0">
+            <a:r>
+              <a:rPr lang="en-US" altLang="ko-KR" sz="1600" dirty="0" err="1">
+                <a:solidFill>
+                  <a:schemeClr val="tx1"/>
+                </a:solidFill>
+              </a:rPr>
+              <a:t>personId</a:t>
+            </a:r>
+            <a:r>
+              <a:rPr lang="en-US" altLang="ko-KR" sz="1600" dirty="0">
+                <a:solidFill>
+                  <a:schemeClr val="tx1"/>
+                </a:solidFill>
+              </a:rPr>
+              <a:t>=?</a:t>
+            </a:r>
+          </a:p>
+          <a:p>
+            <a:endParaRPr lang="en-US" altLang="ko-KR" sz="1100" b="1" dirty="0">
               <a:solidFill>
                 <a:schemeClr val="tx1"/>
               </a:solidFill>
@@ -13779,6 +13623,45 @@
                 </a:solidFill>
               </a:rPr>
               <a:t>어트리뷰트</a:t>
+            </a:r>
+            <a:endParaRPr lang="en-US" altLang="ko-KR" sz="1400" b="1" dirty="0">
+              <a:solidFill>
+                <a:schemeClr val="tx1"/>
+              </a:solidFill>
+            </a:endParaRPr>
+          </a:p>
+          <a:p>
+            <a:r>
+              <a:rPr lang="en-US" altLang="ko-KR" sz="1400" b="1" dirty="0">
+                <a:solidFill>
+                  <a:schemeClr val="tx1"/>
+                </a:solidFill>
+              </a:rPr>
+              <a:t>“</a:t>
+            </a:r>
+            <a:r>
+              <a:rPr lang="en-US" altLang="ko-KR" sz="1400" b="1" dirty="0" err="1">
+                <a:solidFill>
+                  <a:schemeClr val="tx1"/>
+                </a:solidFill>
+              </a:rPr>
+              <a:t>personList</a:t>
+            </a:r>
+            <a:r>
+              <a:rPr lang="en-US" altLang="ko-KR" sz="1400" b="1" dirty="0">
+                <a:solidFill>
+                  <a:schemeClr val="tx1"/>
+                </a:solidFill>
+              </a:rPr>
+              <a:t>” , </a:t>
+            </a:r>
+            <a:r>
+              <a:rPr lang="en-US" altLang="ko-KR" sz="1400" b="1" dirty="0" err="1">
+                <a:solidFill>
+                  <a:schemeClr val="tx1"/>
+                </a:solidFill>
+              </a:rPr>
+              <a:t>personVo</a:t>
             </a:r>
             <a:endParaRPr lang="en-US" altLang="ko-KR" sz="1400" b="1" dirty="0">
               <a:solidFill>
@@ -13874,6 +13757,14 @@
           <a:lstStyle/>
           <a:p>
             <a:pPr algn="ctr"/>
+            <a:endParaRPr lang="en-US" altLang="ko-KR" sz="2800" b="1" dirty="0">
+              <a:solidFill>
+                <a:schemeClr val="tx1"/>
+              </a:solidFill>
+            </a:endParaRPr>
+          </a:p>
+          <a:p>
+            <a:pPr algn="ctr"/>
             <a:r>
               <a:rPr lang="en-US" altLang="ko-KR" sz="2800" b="1" dirty="0">
                 <a:solidFill>
@@ -13881,6 +13772,56 @@
                 </a:solidFill>
               </a:rPr>
               <a:t>Handler Mapping</a:t>
+            </a:r>
+          </a:p>
+          <a:p>
+            <a:r>
+              <a:rPr lang="en-US" altLang="ko-KR" b="1" dirty="0">
+                <a:solidFill>
+                  <a:schemeClr val="accent1"/>
+                </a:solidFill>
+              </a:rPr>
+              <a:t>“/phonebook3/</a:t>
+            </a:r>
+            <a:r>
+              <a:rPr lang="en-US" altLang="ko-KR" b="1" dirty="0" err="1">
+                <a:solidFill>
+                  <a:schemeClr val="accent1"/>
+                </a:solidFill>
+              </a:rPr>
+              <a:t>updateForm</a:t>
+            </a:r>
+            <a:r>
+              <a:rPr lang="en-US" altLang="ko-KR" b="1" dirty="0">
+                <a:solidFill>
+                  <a:schemeClr val="accent1"/>
+                </a:solidFill>
+              </a:rPr>
+              <a:t>” </a:t>
+            </a:r>
+            <a:r>
+              <a:rPr lang="en-US" altLang="ko-KR" b="1" dirty="0">
+                <a:solidFill>
+                  <a:schemeClr val="tx1"/>
+                </a:solidFill>
+              </a:rPr>
+              <a:t>get post-&gt; </a:t>
+            </a:r>
+            <a:r>
+              <a:rPr lang="en-US" altLang="ko-KR" b="1" dirty="0" err="1">
+                <a:solidFill>
+                  <a:schemeClr val="tx1"/>
+                </a:solidFill>
+              </a:rPr>
+              <a:t>PhoneController.updateForm</a:t>
+            </a:r>
+            <a:r>
+              <a:rPr lang="en-US" altLang="ko-KR" b="1" dirty="0">
+                <a:solidFill>
+                  <a:schemeClr val="tx1"/>
+                </a:solidFill>
+              </a:rPr>
+              <a:t>()</a:t>
             </a:r>
           </a:p>
           <a:p>
@@ -13991,6 +13932,24 @@
               </a:rPr>
               <a:t>Response</a:t>
             </a:r>
+          </a:p>
+          <a:p>
+            <a:r>
+              <a:rPr lang="en-US" altLang="ko-KR" b="1" dirty="0">
+                <a:solidFill>
+                  <a:schemeClr val="tx1"/>
+                </a:solidFill>
+              </a:rPr>
+              <a:t>Html &lt;- </a:t>
+            </a:r>
+            <a:r>
+              <a:rPr lang="en-US" altLang="ko-KR" b="1" dirty="0" err="1">
+                <a:solidFill>
+                  <a:schemeClr val="tx1"/>
+                </a:solidFill>
+              </a:rPr>
+              <a:t>jsp</a:t>
+            </a:r>
             <a:endParaRPr lang="ko-KR" altLang="en-US" b="1" dirty="0">
               <a:solidFill>
                 <a:schemeClr val="tx1"/>
@@ -13999,6 +13958,923 @@
           </a:p>
         </p:txBody>
       </p:sp>
+      <p:sp>
+        <p:nvSpPr>
+          <p:cNvPr id="38" name="TextBox 37">
+            <a:extLst>
+              <a:ext uri="{FF2B5EF4-FFF2-40B4-BE49-F238E27FC236}">
+                <a16:creationId xmlns:a16="http://schemas.microsoft.com/office/drawing/2014/main" id="{ACA2B095-39D8-4390-8E8B-EE75CE2F4F95}"/>
+              </a:ext>
+            </a:extLst>
+          </p:cNvPr>
+          <p:cNvSpPr txBox="1"/>
+          <p:nvPr/>
+        </p:nvSpPr>
+        <p:spPr>
+          <a:xfrm>
+            <a:off x="0" y="23995"/>
+            <a:ext cx="2165131" cy="369332"/>
+          </a:xfrm>
+          <a:prstGeom prst="rect">
+            <a:avLst/>
+          </a:prstGeom>
+          <a:noFill/>
+        </p:spPr>
+        <p:txBody>
+          <a:bodyPr wrap="square" rtlCol="0">
+            <a:spAutoFit/>
+          </a:bodyPr>
+          <a:lstStyle/>
+          <a:p>
+            <a:r>
+              <a:rPr lang="en-US" altLang="ko-KR" b="1" dirty="0"/>
+              <a:t>*</a:t>
+            </a:r>
+            <a:r>
+              <a:rPr lang="en-US" altLang="ko-KR" b="1" dirty="0" err="1"/>
+              <a:t>updateForm</a:t>
+            </a:r>
+            <a:endParaRPr lang="ko-KR" altLang="en-US" b="1" dirty="0"/>
+          </a:p>
+        </p:txBody>
+      </p:sp>
+      <p:pic>
+        <p:nvPicPr>
+          <p:cNvPr id="3" name="그림 2">
+            <a:extLst>
+              <a:ext uri="{FF2B5EF4-FFF2-40B4-BE49-F238E27FC236}">
+                <a16:creationId xmlns:a16="http://schemas.microsoft.com/office/drawing/2014/main" id="{A30E2E32-4B1C-4E20-82B1-DF8FBE5F7E68}"/>
+              </a:ext>
+            </a:extLst>
+          </p:cNvPr>
+          <p:cNvPicPr>
+            <a:picLocks noChangeAspect="1"/>
+          </p:cNvPicPr>
+          <p:nvPr/>
+        </p:nvPicPr>
+        <p:blipFill>
+          <a:blip r:embed="rId2"/>
+          <a:stretch>
+            <a:fillRect/>
+          </a:stretch>
+        </p:blipFill>
+        <p:spPr>
+          <a:xfrm>
+            <a:off x="1579600" y="-1038602"/>
+            <a:ext cx="2114596" cy="1690624"/>
+          </a:xfrm>
+          <a:prstGeom prst="rect">
+            <a:avLst/>
+          </a:prstGeom>
+        </p:spPr>
+      </p:pic>
+      <p:sp>
+        <p:nvSpPr>
+          <p:cNvPr id="41" name="직사각형 40">
+            <a:extLst>
+              <a:ext uri="{FF2B5EF4-FFF2-40B4-BE49-F238E27FC236}">
+                <a16:creationId xmlns:a16="http://schemas.microsoft.com/office/drawing/2014/main" id="{213C22BA-8AB9-454D-B799-4ECE289A9FE4}"/>
+              </a:ext>
+            </a:extLst>
+          </p:cNvPr>
+          <p:cNvSpPr/>
+          <p:nvPr/>
+        </p:nvSpPr>
+        <p:spPr>
+          <a:xfrm>
+            <a:off x="-1798320" y="975632"/>
+            <a:ext cx="4470916" cy="1321313"/>
+          </a:xfrm>
+          <a:prstGeom prst="rect">
+            <a:avLst/>
+          </a:prstGeom>
+          <a:solidFill>
+            <a:schemeClr val="accent3">
+              <a:lumMod val="20000"/>
+              <a:lumOff val="80000"/>
+            </a:schemeClr>
+          </a:solidFill>
+        </p:spPr>
+        <p:style>
+          <a:lnRef idx="2">
+            <a:schemeClr val="accent1">
+              <a:shade val="50000"/>
+            </a:schemeClr>
+          </a:lnRef>
+          <a:fillRef idx="1">
+            <a:schemeClr val="accent1"/>
+          </a:fillRef>
+          <a:effectRef idx="0">
+            <a:schemeClr val="accent1"/>
+          </a:effectRef>
+          <a:fontRef idx="minor">
+            <a:schemeClr val="lt1"/>
+          </a:fontRef>
+        </p:style>
+        <p:txBody>
+          <a:bodyPr rtlCol="0" anchor="ctr"/>
+          <a:lstStyle/>
+          <a:p>
+            <a:pPr algn="ctr"/>
+            <a:endParaRPr lang="en-US" altLang="ko-KR" dirty="0">
+              <a:hlinkClick r:id="rId3"/>
+            </a:endParaRPr>
+          </a:p>
+          <a:p>
+            <a:r>
+              <a:rPr lang="en-US" altLang="ko-KR" dirty="0">
+                <a:hlinkClick r:id="rId4"/>
+              </a:rPr>
+              <a:t>http://localhost:8088/phonebook3/</a:t>
+            </a:r>
+            <a:endParaRPr lang="en-US" altLang="ko-KR" dirty="0"/>
+          </a:p>
+          <a:p>
+            <a:r>
+              <a:rPr lang="en-US" altLang="ko-KR" dirty="0" err="1">
+                <a:solidFill>
+                  <a:schemeClr val="tx1"/>
+                </a:solidFill>
+              </a:rPr>
+              <a:t>updateForm</a:t>
+            </a:r>
+            <a:r>
+              <a:rPr lang="en-US" altLang="ko-KR" dirty="0">
+                <a:solidFill>
+                  <a:schemeClr val="tx1"/>
+                </a:solidFill>
+              </a:rPr>
+              <a:t>?</a:t>
+            </a:r>
+          </a:p>
+          <a:p>
+            <a:r>
+              <a:rPr lang="en-US" altLang="ko-KR" dirty="0" err="1">
+                <a:solidFill>
+                  <a:schemeClr val="tx1"/>
+                </a:solidFill>
+              </a:rPr>
+              <a:t>personId</a:t>
+            </a:r>
+            <a:r>
+              <a:rPr lang="en-US" altLang="ko-KR" dirty="0">
+                <a:solidFill>
+                  <a:schemeClr val="tx1"/>
+                </a:solidFill>
+              </a:rPr>
+              <a:t>=?</a:t>
+            </a:r>
+          </a:p>
+          <a:p>
+            <a:pPr algn="ctr"/>
+            <a:endParaRPr lang="en-US" altLang="ko-KR" dirty="0"/>
+          </a:p>
+        </p:txBody>
+      </p:sp>
+      <p:cxnSp>
+        <p:nvCxnSpPr>
+          <p:cNvPr id="42" name="직선 화살표 연결선 41">
+            <a:extLst>
+              <a:ext uri="{FF2B5EF4-FFF2-40B4-BE49-F238E27FC236}">
+                <a16:creationId xmlns:a16="http://schemas.microsoft.com/office/drawing/2014/main" id="{E77C27E9-3724-4D2F-87E8-4E2B458E8759}"/>
+              </a:ext>
+            </a:extLst>
+          </p:cNvPr>
+          <p:cNvCxnSpPr>
+            <a:cxnSpLocks/>
+          </p:cNvCxnSpPr>
+          <p:nvPr/>
+        </p:nvCxnSpPr>
+        <p:spPr>
+          <a:xfrm>
+            <a:off x="1755296" y="279516"/>
+            <a:ext cx="324060" cy="896172"/>
+          </a:xfrm>
+          <a:prstGeom prst="straightConnector1">
+            <a:avLst/>
+          </a:prstGeom>
+          <a:ln>
+            <a:tailEnd type="triangle"/>
+          </a:ln>
+        </p:spPr>
+        <p:style>
+          <a:lnRef idx="1">
+            <a:schemeClr val="dk1"/>
+          </a:lnRef>
+          <a:fillRef idx="0">
+            <a:schemeClr val="dk1"/>
+          </a:fillRef>
+          <a:effectRef idx="0">
+            <a:schemeClr val="dk1"/>
+          </a:effectRef>
+          <a:fontRef idx="minor">
+            <a:schemeClr val="tx1"/>
+          </a:fontRef>
+        </p:style>
+      </p:cxnSp>
+      <p:cxnSp>
+        <p:nvCxnSpPr>
+          <p:cNvPr id="43" name="직선 화살표 연결선 42">
+            <a:extLst>
+              <a:ext uri="{FF2B5EF4-FFF2-40B4-BE49-F238E27FC236}">
+                <a16:creationId xmlns:a16="http://schemas.microsoft.com/office/drawing/2014/main" id="{86D0D2DD-5A6E-484E-BAA1-8C83C5390C75}"/>
+              </a:ext>
+            </a:extLst>
+          </p:cNvPr>
+          <p:cNvCxnSpPr>
+            <a:cxnSpLocks/>
+          </p:cNvCxnSpPr>
+          <p:nvPr/>
+        </p:nvCxnSpPr>
+        <p:spPr>
+          <a:xfrm>
+            <a:off x="2348454" y="1704707"/>
+            <a:ext cx="1713525" cy="1321313"/>
+          </a:xfrm>
+          <a:prstGeom prst="straightConnector1">
+            <a:avLst/>
+          </a:prstGeom>
+          <a:ln>
+            <a:tailEnd type="triangle"/>
+          </a:ln>
+        </p:spPr>
+        <p:style>
+          <a:lnRef idx="1">
+            <a:schemeClr val="dk1"/>
+          </a:lnRef>
+          <a:fillRef idx="0">
+            <a:schemeClr val="dk1"/>
+          </a:fillRef>
+          <a:effectRef idx="0">
+            <a:schemeClr val="dk1"/>
+          </a:effectRef>
+          <a:fontRef idx="minor">
+            <a:schemeClr val="tx1"/>
+          </a:fontRef>
+        </p:style>
+      </p:cxnSp>
+      <p:cxnSp>
+        <p:nvCxnSpPr>
+          <p:cNvPr id="44" name="직선 화살표 연결선 43">
+            <a:extLst>
+              <a:ext uri="{FF2B5EF4-FFF2-40B4-BE49-F238E27FC236}">
+                <a16:creationId xmlns:a16="http://schemas.microsoft.com/office/drawing/2014/main" id="{01B94E19-BCF6-4A35-823C-CE0FA02ABA8C}"/>
+              </a:ext>
+            </a:extLst>
+          </p:cNvPr>
+          <p:cNvCxnSpPr>
+            <a:cxnSpLocks/>
+          </p:cNvCxnSpPr>
+          <p:nvPr/>
+        </p:nvCxnSpPr>
+        <p:spPr>
+          <a:xfrm flipV="1">
+            <a:off x="11928569" y="2619055"/>
+            <a:ext cx="1090577" cy="13785"/>
+          </a:xfrm>
+          <a:prstGeom prst="straightConnector1">
+            <a:avLst/>
+          </a:prstGeom>
+          <a:ln>
+            <a:tailEnd type="triangle"/>
+          </a:ln>
+        </p:spPr>
+        <p:style>
+          <a:lnRef idx="3">
+            <a:schemeClr val="dk1"/>
+          </a:lnRef>
+          <a:fillRef idx="0">
+            <a:schemeClr val="dk1"/>
+          </a:fillRef>
+          <a:effectRef idx="2">
+            <a:schemeClr val="dk1"/>
+          </a:effectRef>
+          <a:fontRef idx="minor">
+            <a:schemeClr val="tx1"/>
+          </a:fontRef>
+        </p:style>
+      </p:cxnSp>
+      <p:cxnSp>
+        <p:nvCxnSpPr>
+          <p:cNvPr id="45" name="직선 화살표 연결선 44">
+            <a:extLst>
+              <a:ext uri="{FF2B5EF4-FFF2-40B4-BE49-F238E27FC236}">
+                <a16:creationId xmlns:a16="http://schemas.microsoft.com/office/drawing/2014/main" id="{17E95C04-28F3-4491-818F-ECFB06011B0F}"/>
+              </a:ext>
+            </a:extLst>
+          </p:cNvPr>
+          <p:cNvCxnSpPr>
+            <a:cxnSpLocks/>
+          </p:cNvCxnSpPr>
+          <p:nvPr/>
+        </p:nvCxnSpPr>
+        <p:spPr>
+          <a:xfrm flipH="1">
+            <a:off x="11922672" y="2709014"/>
+            <a:ext cx="1096474" cy="0"/>
+          </a:xfrm>
+          <a:prstGeom prst="straightConnector1">
+            <a:avLst/>
+          </a:prstGeom>
+          <a:ln>
+            <a:tailEnd type="triangle"/>
+          </a:ln>
+        </p:spPr>
+        <p:style>
+          <a:lnRef idx="3">
+            <a:schemeClr val="dk1"/>
+          </a:lnRef>
+          <a:fillRef idx="0">
+            <a:schemeClr val="dk1"/>
+          </a:fillRef>
+          <a:effectRef idx="2">
+            <a:schemeClr val="dk1"/>
+          </a:effectRef>
+          <a:fontRef idx="minor">
+            <a:schemeClr val="tx1"/>
+          </a:fontRef>
+        </p:style>
+      </p:cxnSp>
+      <p:sp>
+        <p:nvSpPr>
+          <p:cNvPr id="46" name="TextBox 45">
+            <a:extLst>
+              <a:ext uri="{FF2B5EF4-FFF2-40B4-BE49-F238E27FC236}">
+                <a16:creationId xmlns:a16="http://schemas.microsoft.com/office/drawing/2014/main" id="{9B378A45-9809-468B-8877-372F981F6039}"/>
+              </a:ext>
+            </a:extLst>
+          </p:cNvPr>
+          <p:cNvSpPr txBox="1"/>
+          <p:nvPr/>
+        </p:nvSpPr>
+        <p:spPr>
+          <a:xfrm>
+            <a:off x="12110219" y="2290470"/>
+            <a:ext cx="1195953" cy="338554"/>
+          </a:xfrm>
+          <a:prstGeom prst="rect">
+            <a:avLst/>
+          </a:prstGeom>
+          <a:noFill/>
+        </p:spPr>
+        <p:txBody>
+          <a:bodyPr wrap="square" rtlCol="0">
+            <a:spAutoFit/>
+          </a:bodyPr>
+          <a:lstStyle/>
+          <a:p>
+            <a:r>
+              <a:rPr lang="en-US" altLang="ko-KR" sz="1600" dirty="0" err="1"/>
+              <a:t>personId</a:t>
+            </a:r>
+            <a:endParaRPr lang="ko-KR" altLang="en-US" sz="2000" dirty="0"/>
+          </a:p>
+        </p:txBody>
+      </p:sp>
+      <p:sp>
+        <p:nvSpPr>
+          <p:cNvPr id="47" name="사각형: 둥근 모서리 46">
+            <a:extLst>
+              <a:ext uri="{FF2B5EF4-FFF2-40B4-BE49-F238E27FC236}">
+                <a16:creationId xmlns:a16="http://schemas.microsoft.com/office/drawing/2014/main" id="{5395505E-1F6E-4DD9-8BEC-512678F8CCBD}"/>
+              </a:ext>
+            </a:extLst>
+          </p:cNvPr>
+          <p:cNvSpPr/>
+          <p:nvPr/>
+        </p:nvSpPr>
+        <p:spPr>
+          <a:xfrm>
+            <a:off x="13096115" y="1567730"/>
+            <a:ext cx="2781497" cy="1666216"/>
+          </a:xfrm>
+          <a:prstGeom prst="roundRect">
+            <a:avLst/>
+          </a:prstGeom>
+          <a:solidFill>
+            <a:schemeClr val="bg1"/>
+          </a:solidFill>
+        </p:spPr>
+        <p:style>
+          <a:lnRef idx="2">
+            <a:schemeClr val="accent1">
+              <a:shade val="50000"/>
+            </a:schemeClr>
+          </a:lnRef>
+          <a:fillRef idx="1">
+            <a:schemeClr val="accent1"/>
+          </a:fillRef>
+          <a:effectRef idx="0">
+            <a:schemeClr val="accent1"/>
+          </a:effectRef>
+          <a:fontRef idx="minor">
+            <a:schemeClr val="lt1"/>
+          </a:fontRef>
+        </p:style>
+        <p:txBody>
+          <a:bodyPr rtlCol="0" anchor="ctr"/>
+          <a:lstStyle/>
+          <a:p>
+            <a:pPr algn="ctr"/>
+            <a:r>
+              <a:rPr lang="en-US" altLang="ko-KR" b="1" dirty="0" err="1">
+                <a:solidFill>
+                  <a:srgbClr val="000000"/>
+                </a:solidFill>
+                <a:latin typeface="D2Coding" panose="020B0609020101020101" pitchFamily="49" charset="-127"/>
+                <a:ea typeface="D2Coding" panose="020B0609020101020101" pitchFamily="49" charset="-127"/>
+              </a:rPr>
+              <a:t>getPerson</a:t>
+            </a:r>
+            <a:r>
+              <a:rPr lang="en-US" altLang="ko-KR" sz="1800" b="1" dirty="0">
+                <a:solidFill>
+                  <a:srgbClr val="000000"/>
+                </a:solidFill>
+                <a:latin typeface="D2Coding" panose="020B0609020101020101" pitchFamily="49" charset="-127"/>
+                <a:ea typeface="D2Coding" panose="020B0609020101020101" pitchFamily="49" charset="-127"/>
+              </a:rPr>
+              <a:t>(</a:t>
+            </a:r>
+            <a:r>
+              <a:rPr lang="en-US" altLang="ko-KR" sz="1800" b="1" dirty="0" err="1">
+                <a:solidFill>
+                  <a:srgbClr val="6A3E3E"/>
+                </a:solidFill>
+                <a:latin typeface="D2Coding" panose="020B0609020101020101" pitchFamily="49" charset="-127"/>
+                <a:ea typeface="D2Coding" panose="020B0609020101020101" pitchFamily="49" charset="-127"/>
+              </a:rPr>
+              <a:t>personId</a:t>
+            </a:r>
+            <a:r>
+              <a:rPr lang="en-US" altLang="ko-KR" sz="1800" b="1" dirty="0">
+                <a:solidFill>
+                  <a:srgbClr val="000000"/>
+                </a:solidFill>
+                <a:latin typeface="D2Coding" panose="020B0609020101020101" pitchFamily="49" charset="-127"/>
+                <a:ea typeface="D2Coding" panose="020B0609020101020101" pitchFamily="49" charset="-127"/>
+              </a:rPr>
+              <a:t>)</a:t>
+            </a:r>
+            <a:endParaRPr lang="ko-KR" altLang="en-US" b="1" dirty="0"/>
+          </a:p>
+        </p:txBody>
+      </p:sp>
+      <p:sp>
+        <p:nvSpPr>
+          <p:cNvPr id="48" name="TextBox 47">
+            <a:extLst>
+              <a:ext uri="{FF2B5EF4-FFF2-40B4-BE49-F238E27FC236}">
+                <a16:creationId xmlns:a16="http://schemas.microsoft.com/office/drawing/2014/main" id="{B4003B8D-8D9E-4F47-B79C-919FF6634F21}"/>
+              </a:ext>
+            </a:extLst>
+          </p:cNvPr>
+          <p:cNvSpPr txBox="1"/>
+          <p:nvPr/>
+        </p:nvSpPr>
+        <p:spPr>
+          <a:xfrm>
+            <a:off x="13535363" y="1175688"/>
+            <a:ext cx="2094086" cy="400110"/>
+          </a:xfrm>
+          <a:prstGeom prst="rect">
+            <a:avLst/>
+          </a:prstGeom>
+          <a:noFill/>
+        </p:spPr>
+        <p:txBody>
+          <a:bodyPr wrap="square" rtlCol="0">
+            <a:spAutoFit/>
+          </a:bodyPr>
+          <a:lstStyle/>
+          <a:p>
+            <a:r>
+              <a:rPr lang="en-US" altLang="ko-KR" sz="2000" b="1" dirty="0" err="1"/>
+              <a:t>PhoneDao</a:t>
+            </a:r>
+            <a:r>
+              <a:rPr lang="en-US" altLang="ko-KR" sz="2000" b="1" dirty="0"/>
+              <a:t> </a:t>
+            </a:r>
+            <a:r>
+              <a:rPr lang="ko-KR" altLang="en-US" sz="2000" b="1" dirty="0"/>
+              <a:t>객체</a:t>
+            </a:r>
+          </a:p>
+        </p:txBody>
+      </p:sp>
+      <p:sp>
+        <p:nvSpPr>
+          <p:cNvPr id="49" name="원통형 48">
+            <a:extLst>
+              <a:ext uri="{FF2B5EF4-FFF2-40B4-BE49-F238E27FC236}">
+                <a16:creationId xmlns:a16="http://schemas.microsoft.com/office/drawing/2014/main" id="{F4C6C2B5-B03E-4B25-9DB7-981DC7153C8A}"/>
+              </a:ext>
+            </a:extLst>
+          </p:cNvPr>
+          <p:cNvSpPr/>
+          <p:nvPr/>
+        </p:nvSpPr>
+        <p:spPr>
+          <a:xfrm>
+            <a:off x="13619993" y="3782413"/>
+            <a:ext cx="1924825" cy="2168820"/>
+          </a:xfrm>
+          <a:prstGeom prst="can">
+            <a:avLst/>
+          </a:prstGeom>
+          <a:noFill/>
+        </p:spPr>
+        <p:style>
+          <a:lnRef idx="2">
+            <a:schemeClr val="accent1">
+              <a:shade val="50000"/>
+            </a:schemeClr>
+          </a:lnRef>
+          <a:fillRef idx="1">
+            <a:schemeClr val="accent1"/>
+          </a:fillRef>
+          <a:effectRef idx="0">
+            <a:schemeClr val="accent1"/>
+          </a:effectRef>
+          <a:fontRef idx="minor">
+            <a:schemeClr val="lt1"/>
+          </a:fontRef>
+        </p:style>
+        <p:txBody>
+          <a:bodyPr rtlCol="0" anchor="ctr"/>
+          <a:lstStyle/>
+          <a:p>
+            <a:pPr algn="ctr"/>
+            <a:endParaRPr lang="ko-KR" altLang="en-US" dirty="0"/>
+          </a:p>
+        </p:txBody>
+      </p:sp>
+      <p:cxnSp>
+        <p:nvCxnSpPr>
+          <p:cNvPr id="50" name="직선 화살표 연결선 49">
+            <a:extLst>
+              <a:ext uri="{FF2B5EF4-FFF2-40B4-BE49-F238E27FC236}">
+                <a16:creationId xmlns:a16="http://schemas.microsoft.com/office/drawing/2014/main" id="{D3F26BD1-9E74-4100-84F5-ADBF1751ACDC}"/>
+              </a:ext>
+            </a:extLst>
+          </p:cNvPr>
+          <p:cNvCxnSpPr>
+            <a:cxnSpLocks/>
+          </p:cNvCxnSpPr>
+          <p:nvPr/>
+        </p:nvCxnSpPr>
+        <p:spPr>
+          <a:xfrm>
+            <a:off x="14414784" y="3140541"/>
+            <a:ext cx="0" cy="852668"/>
+          </a:xfrm>
+          <a:prstGeom prst="straightConnector1">
+            <a:avLst/>
+          </a:prstGeom>
+          <a:ln>
+            <a:tailEnd type="triangle"/>
+          </a:ln>
+        </p:spPr>
+        <p:style>
+          <a:lnRef idx="3">
+            <a:schemeClr val="dk1"/>
+          </a:lnRef>
+          <a:fillRef idx="0">
+            <a:schemeClr val="dk1"/>
+          </a:fillRef>
+          <a:effectRef idx="2">
+            <a:schemeClr val="dk1"/>
+          </a:effectRef>
+          <a:fontRef idx="minor">
+            <a:schemeClr val="tx1"/>
+          </a:fontRef>
+        </p:style>
+      </p:cxnSp>
+      <p:cxnSp>
+        <p:nvCxnSpPr>
+          <p:cNvPr id="51" name="직선 화살표 연결선 50">
+            <a:extLst>
+              <a:ext uri="{FF2B5EF4-FFF2-40B4-BE49-F238E27FC236}">
+                <a16:creationId xmlns:a16="http://schemas.microsoft.com/office/drawing/2014/main" id="{ABE59A50-2FE7-4326-8BF7-26901082A560}"/>
+              </a:ext>
+            </a:extLst>
+          </p:cNvPr>
+          <p:cNvCxnSpPr>
+            <a:cxnSpLocks/>
+          </p:cNvCxnSpPr>
+          <p:nvPr/>
+        </p:nvCxnSpPr>
+        <p:spPr>
+          <a:xfrm flipH="1" flipV="1">
+            <a:off x="14704325" y="3105336"/>
+            <a:ext cx="1" cy="858433"/>
+          </a:xfrm>
+          <a:prstGeom prst="straightConnector1">
+            <a:avLst/>
+          </a:prstGeom>
+          <a:ln>
+            <a:tailEnd type="triangle"/>
+          </a:ln>
+        </p:spPr>
+        <p:style>
+          <a:lnRef idx="3">
+            <a:schemeClr val="dk1"/>
+          </a:lnRef>
+          <a:fillRef idx="0">
+            <a:schemeClr val="dk1"/>
+          </a:fillRef>
+          <a:effectRef idx="2">
+            <a:schemeClr val="dk1"/>
+          </a:effectRef>
+          <a:fontRef idx="minor">
+            <a:schemeClr val="tx1"/>
+          </a:fontRef>
+        </p:style>
+      </p:cxnSp>
+      <p:sp>
+        <p:nvSpPr>
+          <p:cNvPr id="52" name="TextBox 51">
+            <a:extLst>
+              <a:ext uri="{FF2B5EF4-FFF2-40B4-BE49-F238E27FC236}">
+                <a16:creationId xmlns:a16="http://schemas.microsoft.com/office/drawing/2014/main" id="{6ECA939C-0ED8-4030-9665-36069DDCF16D}"/>
+              </a:ext>
+            </a:extLst>
+          </p:cNvPr>
+          <p:cNvSpPr txBox="1"/>
+          <p:nvPr/>
+        </p:nvSpPr>
+        <p:spPr>
+          <a:xfrm>
+            <a:off x="14218939" y="4643939"/>
+            <a:ext cx="1325879" cy="646331"/>
+          </a:xfrm>
+          <a:prstGeom prst="rect">
+            <a:avLst/>
+          </a:prstGeom>
+          <a:noFill/>
+        </p:spPr>
+        <p:txBody>
+          <a:bodyPr wrap="square" rtlCol="0">
+            <a:spAutoFit/>
+          </a:bodyPr>
+          <a:lstStyle/>
+          <a:p>
+            <a:r>
+              <a:rPr lang="en-US" altLang="ko-KR" sz="3600" b="1" dirty="0"/>
+              <a:t>DB</a:t>
+            </a:r>
+            <a:endParaRPr lang="ko-KR" altLang="en-US" sz="3600" b="1" dirty="0"/>
+          </a:p>
+        </p:txBody>
+      </p:sp>
+      <p:sp>
+        <p:nvSpPr>
+          <p:cNvPr id="54" name="TextBox 53">
+            <a:extLst>
+              <a:ext uri="{FF2B5EF4-FFF2-40B4-BE49-F238E27FC236}">
+                <a16:creationId xmlns:a16="http://schemas.microsoft.com/office/drawing/2014/main" id="{5FC69CEC-41E2-482D-9CF9-E8B3B80CCAAC}"/>
+              </a:ext>
+            </a:extLst>
+          </p:cNvPr>
+          <p:cNvSpPr txBox="1"/>
+          <p:nvPr/>
+        </p:nvSpPr>
+        <p:spPr>
+          <a:xfrm>
+            <a:off x="12064478" y="2639994"/>
+            <a:ext cx="1195953" cy="338554"/>
+          </a:xfrm>
+          <a:prstGeom prst="rect">
+            <a:avLst/>
+          </a:prstGeom>
+          <a:noFill/>
+        </p:spPr>
+        <p:txBody>
+          <a:bodyPr wrap="square" rtlCol="0">
+            <a:spAutoFit/>
+          </a:bodyPr>
+          <a:lstStyle/>
+          <a:p>
+            <a:r>
+              <a:rPr lang="en-US" altLang="ko-KR" sz="1600" dirty="0" err="1"/>
+              <a:t>personVo</a:t>
+            </a:r>
+            <a:endParaRPr lang="ko-KR" altLang="en-US" sz="2000" dirty="0"/>
+          </a:p>
+        </p:txBody>
+      </p:sp>
+      <p:sp>
+        <p:nvSpPr>
+          <p:cNvPr id="55" name="직사각형 54">
+            <a:extLst>
+              <a:ext uri="{FF2B5EF4-FFF2-40B4-BE49-F238E27FC236}">
+                <a16:creationId xmlns:a16="http://schemas.microsoft.com/office/drawing/2014/main" id="{FB532BB2-1C50-4E95-946B-3CAA205CF434}"/>
+              </a:ext>
+            </a:extLst>
+          </p:cNvPr>
+          <p:cNvSpPr/>
+          <p:nvPr/>
+        </p:nvSpPr>
+        <p:spPr>
+          <a:xfrm>
+            <a:off x="10022182" y="4359638"/>
+            <a:ext cx="2799738" cy="774838"/>
+          </a:xfrm>
+          <a:prstGeom prst="rect">
+            <a:avLst/>
+          </a:prstGeom>
+          <a:solidFill>
+            <a:srgbClr val="C00000"/>
+          </a:solidFill>
+        </p:spPr>
+        <p:style>
+          <a:lnRef idx="2">
+            <a:schemeClr val="accent1">
+              <a:shade val="50000"/>
+            </a:schemeClr>
+          </a:lnRef>
+          <a:fillRef idx="1">
+            <a:schemeClr val="accent1"/>
+          </a:fillRef>
+          <a:effectRef idx="0">
+            <a:schemeClr val="accent1"/>
+          </a:effectRef>
+          <a:fontRef idx="minor">
+            <a:schemeClr val="lt1"/>
+          </a:fontRef>
+        </p:style>
+        <p:txBody>
+          <a:bodyPr rtlCol="0" anchor="ctr"/>
+          <a:lstStyle/>
+          <a:p>
+            <a:pPr algn="ctr"/>
+            <a:r>
+              <a:rPr lang="en-US" altLang="ko-KR" dirty="0"/>
+              <a:t>view</a:t>
+            </a:r>
+          </a:p>
+          <a:p>
+            <a:pPr algn="ctr"/>
+            <a:r>
+              <a:rPr lang="en-US" altLang="ko-KR" dirty="0"/>
+              <a:t>Return “</a:t>
+            </a:r>
+            <a:r>
+              <a:rPr lang="en-US" altLang="ko-KR" dirty="0" err="1"/>
+              <a:t>updateForm.jsp</a:t>
+            </a:r>
+            <a:r>
+              <a:rPr lang="en-US" altLang="ko-KR" dirty="0"/>
+              <a:t>”</a:t>
+            </a:r>
+            <a:endParaRPr lang="ko-KR" altLang="en-US" dirty="0"/>
+          </a:p>
+        </p:txBody>
+      </p:sp>
+      <p:sp>
+        <p:nvSpPr>
+          <p:cNvPr id="56" name="직사각형 55">
+            <a:extLst>
+              <a:ext uri="{FF2B5EF4-FFF2-40B4-BE49-F238E27FC236}">
+                <a16:creationId xmlns:a16="http://schemas.microsoft.com/office/drawing/2014/main" id="{78C9108A-5828-490F-9294-6B1B36DC0DC5}"/>
+              </a:ext>
+            </a:extLst>
+          </p:cNvPr>
+          <p:cNvSpPr/>
+          <p:nvPr/>
+        </p:nvSpPr>
+        <p:spPr>
+          <a:xfrm>
+            <a:off x="7011657" y="4392358"/>
+            <a:ext cx="2799738" cy="774838"/>
+          </a:xfrm>
+          <a:prstGeom prst="rect">
+            <a:avLst/>
+          </a:prstGeom>
+          <a:solidFill>
+            <a:srgbClr val="C00000"/>
+          </a:solidFill>
+        </p:spPr>
+        <p:style>
+          <a:lnRef idx="2">
+            <a:schemeClr val="accent1">
+              <a:shade val="50000"/>
+            </a:schemeClr>
+          </a:lnRef>
+          <a:fillRef idx="1">
+            <a:schemeClr val="accent1"/>
+          </a:fillRef>
+          <a:effectRef idx="0">
+            <a:schemeClr val="accent1"/>
+          </a:effectRef>
+          <a:fontRef idx="minor">
+            <a:schemeClr val="lt1"/>
+          </a:fontRef>
+        </p:style>
+        <p:txBody>
+          <a:bodyPr rtlCol="0" anchor="ctr"/>
+          <a:lstStyle/>
+          <a:p>
+            <a:pPr algn="ctr"/>
+            <a:r>
+              <a:rPr lang="en-US" altLang="ko-KR" dirty="0"/>
+              <a:t>Model</a:t>
+            </a:r>
+          </a:p>
+          <a:p>
+            <a:pPr algn="ctr"/>
+            <a:r>
+              <a:rPr lang="en-US" altLang="ko-KR" dirty="0"/>
+              <a:t>“</a:t>
+            </a:r>
+            <a:r>
+              <a:rPr lang="en-US" altLang="ko-KR" dirty="0" err="1"/>
+              <a:t>personList</a:t>
+            </a:r>
+            <a:r>
+              <a:rPr lang="en-US" altLang="ko-KR" dirty="0"/>
+              <a:t>”, </a:t>
+            </a:r>
+            <a:r>
+              <a:rPr lang="en-US" altLang="ko-KR" dirty="0" err="1"/>
+              <a:t>personVo</a:t>
+            </a:r>
+            <a:endParaRPr lang="ko-KR" altLang="en-US" dirty="0"/>
+          </a:p>
+        </p:txBody>
+      </p:sp>
+      <p:pic>
+        <p:nvPicPr>
+          <p:cNvPr id="7" name="그림 6">
+            <a:extLst>
+              <a:ext uri="{FF2B5EF4-FFF2-40B4-BE49-F238E27FC236}">
+                <a16:creationId xmlns:a16="http://schemas.microsoft.com/office/drawing/2014/main" id="{2F888CB5-9879-4EA9-B686-AFFA480571E3}"/>
+              </a:ext>
+            </a:extLst>
+          </p:cNvPr>
+          <p:cNvPicPr>
+            <a:picLocks noChangeAspect="1"/>
+          </p:cNvPicPr>
+          <p:nvPr/>
+        </p:nvPicPr>
+        <p:blipFill>
+          <a:blip r:embed="rId5"/>
+          <a:stretch>
+            <a:fillRect/>
+          </a:stretch>
+        </p:blipFill>
+        <p:spPr>
+          <a:xfrm>
+            <a:off x="-1798321" y="3233946"/>
+            <a:ext cx="4008435" cy="2394107"/>
+          </a:xfrm>
+          <a:prstGeom prst="rect">
+            <a:avLst/>
+          </a:prstGeom>
+        </p:spPr>
+      </p:pic>
+      <p:cxnSp>
+        <p:nvCxnSpPr>
+          <p:cNvPr id="60" name="직선 화살표 연결선 59">
+            <a:extLst>
+              <a:ext uri="{FF2B5EF4-FFF2-40B4-BE49-F238E27FC236}">
+                <a16:creationId xmlns:a16="http://schemas.microsoft.com/office/drawing/2014/main" id="{46EDE6AB-2B9A-4220-8BB0-C79C824FCA58}"/>
+              </a:ext>
+            </a:extLst>
+          </p:cNvPr>
+          <p:cNvCxnSpPr>
+            <a:cxnSpLocks/>
+          </p:cNvCxnSpPr>
+          <p:nvPr/>
+        </p:nvCxnSpPr>
+        <p:spPr>
+          <a:xfrm flipH="1">
+            <a:off x="1494091" y="4430999"/>
+            <a:ext cx="2434704" cy="348778"/>
+          </a:xfrm>
+          <a:prstGeom prst="straightConnector1">
+            <a:avLst/>
+          </a:prstGeom>
+          <a:ln>
+            <a:tailEnd type="triangle"/>
+          </a:ln>
+        </p:spPr>
+        <p:style>
+          <a:lnRef idx="1">
+            <a:schemeClr val="dk1"/>
+          </a:lnRef>
+          <a:fillRef idx="0">
+            <a:schemeClr val="dk1"/>
+          </a:fillRef>
+          <a:effectRef idx="0">
+            <a:schemeClr val="dk1"/>
+          </a:effectRef>
+          <a:fontRef idx="minor">
+            <a:schemeClr val="tx1"/>
+          </a:fontRef>
+        </p:style>
+      </p:cxnSp>
     </p:spTree>
     <p:extLst>
       <p:ext uri="{BB962C8B-B14F-4D97-AF65-F5344CB8AC3E}">
@@ -18398,181 +19274,6 @@
       </p:sp>
       <p:sp>
         <p:nvSpPr>
-          <p:cNvPr id="107" name="사각형: 둥근 모서리 106">
-            <a:extLst>
-              <a:ext uri="{FF2B5EF4-FFF2-40B4-BE49-F238E27FC236}">
-                <a16:creationId xmlns:a16="http://schemas.microsoft.com/office/drawing/2014/main" id="{5792A684-C5E7-4FAF-B057-51208B25FAA4}"/>
-              </a:ext>
-            </a:extLst>
-          </p:cNvPr>
-          <p:cNvSpPr/>
-          <p:nvPr/>
-        </p:nvSpPr>
-        <p:spPr>
-          <a:xfrm>
-            <a:off x="12847320" y="1266152"/>
-            <a:ext cx="2257763" cy="1666216"/>
-          </a:xfrm>
-          <a:prstGeom prst="roundRect">
-            <a:avLst/>
-          </a:prstGeom>
-          <a:solidFill>
-            <a:schemeClr val="bg1"/>
-          </a:solidFill>
-        </p:spPr>
-        <p:style>
-          <a:lnRef idx="2">
-            <a:schemeClr val="accent1">
-              <a:shade val="50000"/>
-            </a:schemeClr>
-          </a:lnRef>
-          <a:fillRef idx="1">
-            <a:schemeClr val="accent1"/>
-          </a:fillRef>
-          <a:effectRef idx="0">
-            <a:schemeClr val="accent1"/>
-          </a:effectRef>
-          <a:fontRef idx="minor">
-            <a:schemeClr val="lt1"/>
-          </a:fontRef>
-        </p:style>
-        <p:txBody>
-          <a:bodyPr rtlCol="0" anchor="ctr"/>
-          <a:lstStyle/>
-          <a:p>
-            <a:pPr algn="ctr"/>
-            <a:endParaRPr lang="ko-KR" altLang="en-US"/>
-          </a:p>
-        </p:txBody>
-      </p:sp>
-      <p:sp>
-        <p:nvSpPr>
-          <p:cNvPr id="108" name="TextBox 107">
-            <a:extLst>
-              <a:ext uri="{FF2B5EF4-FFF2-40B4-BE49-F238E27FC236}">
-                <a16:creationId xmlns:a16="http://schemas.microsoft.com/office/drawing/2014/main" id="{9CD77D51-5707-4F0D-951F-3B6FEE627BF6}"/>
-              </a:ext>
-            </a:extLst>
-          </p:cNvPr>
-          <p:cNvSpPr txBox="1"/>
-          <p:nvPr/>
-        </p:nvSpPr>
-        <p:spPr>
-          <a:xfrm>
-            <a:off x="12957103" y="775578"/>
-            <a:ext cx="2094086" cy="400110"/>
-          </a:xfrm>
-          <a:prstGeom prst="rect">
-            <a:avLst/>
-          </a:prstGeom>
-          <a:noFill/>
-        </p:spPr>
-        <p:txBody>
-          <a:bodyPr wrap="square" rtlCol="0">
-            <a:spAutoFit/>
-          </a:bodyPr>
-          <a:lstStyle/>
-          <a:p>
-            <a:r>
-              <a:rPr lang="en-US" altLang="ko-KR" sz="2000" b="1" dirty="0" err="1"/>
-              <a:t>PhoneDao</a:t>
-            </a:r>
-            <a:r>
-              <a:rPr lang="en-US" altLang="ko-KR" sz="2000" b="1" dirty="0"/>
-              <a:t> </a:t>
-            </a:r>
-            <a:r>
-              <a:rPr lang="ko-KR" altLang="en-US" sz="2000" b="1" dirty="0"/>
-              <a:t>객체</a:t>
-            </a:r>
-          </a:p>
-        </p:txBody>
-      </p:sp>
-      <p:sp>
-        <p:nvSpPr>
-          <p:cNvPr id="109" name="원통형 108">
-            <a:extLst>
-              <a:ext uri="{FF2B5EF4-FFF2-40B4-BE49-F238E27FC236}">
-                <a16:creationId xmlns:a16="http://schemas.microsoft.com/office/drawing/2014/main" id="{2DEF2BC2-EE78-4D23-9D52-A6B22E7AEC7B}"/>
-              </a:ext>
-            </a:extLst>
-          </p:cNvPr>
-          <p:cNvSpPr/>
-          <p:nvPr/>
-        </p:nvSpPr>
-        <p:spPr>
-          <a:xfrm>
-            <a:off x="12957103" y="3669060"/>
-            <a:ext cx="1924825" cy="2168820"/>
-          </a:xfrm>
-          <a:prstGeom prst="can">
-            <a:avLst/>
-          </a:prstGeom>
-          <a:noFill/>
-        </p:spPr>
-        <p:style>
-          <a:lnRef idx="2">
-            <a:schemeClr val="accent1">
-              <a:shade val="50000"/>
-            </a:schemeClr>
-          </a:lnRef>
-          <a:fillRef idx="1">
-            <a:schemeClr val="accent1"/>
-          </a:fillRef>
-          <a:effectRef idx="0">
-            <a:schemeClr val="accent1"/>
-          </a:effectRef>
-          <a:fontRef idx="minor">
-            <a:schemeClr val="lt1"/>
-          </a:fontRef>
-        </p:style>
-        <p:txBody>
-          <a:bodyPr rtlCol="0" anchor="ctr"/>
-          <a:lstStyle/>
-          <a:p>
-            <a:pPr algn="ctr"/>
-            <a:endParaRPr lang="ko-KR" altLang="en-US" dirty="0"/>
-          </a:p>
-        </p:txBody>
-      </p:sp>
-      <p:sp>
-        <p:nvSpPr>
-          <p:cNvPr id="110" name="TextBox 109">
-            <a:extLst>
-              <a:ext uri="{FF2B5EF4-FFF2-40B4-BE49-F238E27FC236}">
-                <a16:creationId xmlns:a16="http://schemas.microsoft.com/office/drawing/2014/main" id="{0F4B8BB8-8A7F-4201-B717-EE0BAC03DF46}"/>
-              </a:ext>
-            </a:extLst>
-          </p:cNvPr>
-          <p:cNvSpPr txBox="1"/>
-          <p:nvPr/>
-        </p:nvSpPr>
-        <p:spPr>
-          <a:xfrm>
-            <a:off x="13517880" y="4611753"/>
-            <a:ext cx="1021080" cy="646331"/>
-          </a:xfrm>
-          <a:prstGeom prst="rect">
-            <a:avLst/>
-          </a:prstGeom>
-          <a:noFill/>
-        </p:spPr>
-        <p:txBody>
-          <a:bodyPr wrap="square" rtlCol="0">
-            <a:spAutoFit/>
-          </a:bodyPr>
-          <a:lstStyle/>
-          <a:p>
-            <a:r>
-              <a:rPr lang="en-US" altLang="ko-KR" sz="3600" b="1" dirty="0"/>
-              <a:t>DB</a:t>
-            </a:r>
-            <a:endParaRPr lang="ko-KR" altLang="en-US" sz="3600" b="1" dirty="0"/>
-          </a:p>
-        </p:txBody>
-      </p:sp>
-      <p:sp>
-        <p:nvSpPr>
           <p:cNvPr id="111" name="사각형: 둥근 모서리 110">
             <a:extLst>
               <a:ext uri="{FF2B5EF4-FFF2-40B4-BE49-F238E27FC236}">
@@ -18585,8 +19286,8 @@
         </p:nvSpPr>
         <p:spPr>
           <a:xfrm>
-            <a:off x="4152451" y="2433575"/>
-            <a:ext cx="2213775" cy="1426447"/>
+            <a:off x="4152451" y="1842170"/>
+            <a:ext cx="2213775" cy="2007431"/>
           </a:xfrm>
           <a:prstGeom prst="roundRect">
             <a:avLst/>
@@ -18657,7 +19358,60 @@
             </a:endParaRPr>
           </a:p>
           <a:p>
-            <a:endParaRPr lang="en-US" altLang="ko-KR" sz="2800" b="1" dirty="0">
+            <a:r>
+              <a:rPr lang="en-US" altLang="ko-KR" sz="1400" dirty="0">
+                <a:solidFill>
+                  <a:schemeClr val="tx1"/>
+                </a:solidFill>
+              </a:rPr>
+              <a:t>name=?</a:t>
+            </a:r>
+          </a:p>
+          <a:p>
+            <a:r>
+              <a:rPr lang="en-US" altLang="ko-KR" sz="1400" dirty="0">
+                <a:solidFill>
+                  <a:schemeClr val="tx1"/>
+                </a:solidFill>
+              </a:rPr>
+              <a:t>hp=?</a:t>
+            </a:r>
+          </a:p>
+          <a:p>
+            <a:r>
+              <a:rPr lang="en-US" altLang="ko-KR" sz="1400" dirty="0">
+                <a:solidFill>
+                  <a:schemeClr val="tx1"/>
+                </a:solidFill>
+              </a:rPr>
+              <a:t>company=?	</a:t>
+            </a:r>
+          </a:p>
+          <a:p>
+            <a:r>
+              <a:rPr lang="en-US" altLang="ko-KR" sz="1400" dirty="0" err="1">
+                <a:solidFill>
+                  <a:schemeClr val="tx1"/>
+                </a:solidFill>
+              </a:rPr>
+              <a:t>personId</a:t>
+            </a:r>
+            <a:r>
+              <a:rPr lang="en-US" altLang="ko-KR" sz="1400" dirty="0">
+                <a:solidFill>
+                  <a:schemeClr val="tx1"/>
+                </a:solidFill>
+              </a:rPr>
+              <a:t>=?</a:t>
+            </a:r>
+            <a:endParaRPr lang="en-US" altLang="ko-KR" sz="6000" dirty="0">
+              <a:solidFill>
+                <a:schemeClr val="tx1"/>
+              </a:solidFill>
+            </a:endParaRPr>
+          </a:p>
+          <a:p>
+            <a:endParaRPr lang="en-US" altLang="ko-KR" sz="1050" b="1" dirty="0">
               <a:solidFill>
                 <a:schemeClr val="tx1"/>
               </a:solidFill>
@@ -18837,10 +19591,139 @@
       </p:sp>
       <p:sp>
         <p:nvSpPr>
-          <p:cNvPr id="120" name="사각형: 둥근 모서리 119">
+          <p:cNvPr id="38" name="TextBox 37">
             <a:extLst>
               <a:ext uri="{FF2B5EF4-FFF2-40B4-BE49-F238E27FC236}">
-                <a16:creationId xmlns:a16="http://schemas.microsoft.com/office/drawing/2014/main" id="{37D9F9F8-80A1-4D25-909B-8B54D88BC7ED}"/>
+                <a16:creationId xmlns:a16="http://schemas.microsoft.com/office/drawing/2014/main" id="{48AD8F85-8C68-4AA8-ABE0-1A70604A8291}"/>
+              </a:ext>
+            </a:extLst>
+          </p:cNvPr>
+          <p:cNvSpPr txBox="1"/>
+          <p:nvPr/>
+        </p:nvSpPr>
+        <p:spPr>
+          <a:xfrm>
+            <a:off x="0" y="23995"/>
+            <a:ext cx="2165131" cy="369332"/>
+          </a:xfrm>
+          <a:prstGeom prst="rect">
+            <a:avLst/>
+          </a:prstGeom>
+          <a:noFill/>
+        </p:spPr>
+        <p:txBody>
+          <a:bodyPr wrap="square" rtlCol="0">
+            <a:spAutoFit/>
+          </a:bodyPr>
+          <a:lstStyle/>
+          <a:p>
+            <a:r>
+              <a:rPr lang="en-US" altLang="ko-KR" b="1" dirty="0"/>
+              <a:t>*update</a:t>
+            </a:r>
+            <a:endParaRPr lang="ko-KR" altLang="en-US" b="1" dirty="0"/>
+          </a:p>
+        </p:txBody>
+      </p:sp>
+      <p:sp>
+        <p:nvSpPr>
+          <p:cNvPr id="40" name="TextBox 39">
+            <a:extLst>
+              <a:ext uri="{FF2B5EF4-FFF2-40B4-BE49-F238E27FC236}">
+                <a16:creationId xmlns:a16="http://schemas.microsoft.com/office/drawing/2014/main" id="{B49BD497-C39F-4922-A10D-A433F531EEA3}"/>
+              </a:ext>
+            </a:extLst>
+          </p:cNvPr>
+          <p:cNvSpPr txBox="1"/>
+          <p:nvPr/>
+        </p:nvSpPr>
+        <p:spPr>
+          <a:xfrm>
+            <a:off x="4024014" y="-572057"/>
+            <a:ext cx="7587204" cy="369332"/>
+          </a:xfrm>
+          <a:prstGeom prst="rect">
+            <a:avLst/>
+          </a:prstGeom>
+          <a:noFill/>
+        </p:spPr>
+        <p:txBody>
+          <a:bodyPr wrap="square">
+            <a:spAutoFit/>
+          </a:bodyPr>
+          <a:lstStyle/>
+          <a:p>
+            <a:r>
+              <a:rPr lang="en-US" altLang="ko-KR" b="1" dirty="0">
+                <a:solidFill>
+                  <a:schemeClr val="accent1"/>
+                </a:solidFill>
+              </a:rPr>
+              <a:t>“/phonebook3/update” </a:t>
+            </a:r>
+            <a:r>
+              <a:rPr lang="en-US" altLang="ko-KR" b="1" dirty="0">
+                <a:solidFill>
+                  <a:schemeClr val="tx1"/>
+                </a:solidFill>
+              </a:rPr>
+              <a:t>get post-&gt; </a:t>
+            </a:r>
+            <a:r>
+              <a:rPr lang="en-US" altLang="ko-KR" b="1" dirty="0" err="1">
+                <a:solidFill>
+                  <a:schemeClr val="tx1"/>
+                </a:solidFill>
+              </a:rPr>
+              <a:t>PhoneController.update</a:t>
+            </a:r>
+            <a:r>
+              <a:rPr lang="en-US" altLang="ko-KR" b="1" dirty="0">
+                <a:solidFill>
+                  <a:schemeClr val="tx1"/>
+                </a:solidFill>
+              </a:rPr>
+              <a:t>()</a:t>
+            </a:r>
+          </a:p>
+        </p:txBody>
+      </p:sp>
+      <p:pic>
+        <p:nvPicPr>
+          <p:cNvPr id="4" name="그림 3">
+            <a:extLst>
+              <a:ext uri="{FF2B5EF4-FFF2-40B4-BE49-F238E27FC236}">
+                <a16:creationId xmlns:a16="http://schemas.microsoft.com/office/drawing/2014/main" id="{2DD71DC2-8781-4CED-8802-4C2B912FAD1A}"/>
+              </a:ext>
+            </a:extLst>
+          </p:cNvPr>
+          <p:cNvPicPr>
+            <a:picLocks noChangeAspect="1"/>
+          </p:cNvPicPr>
+          <p:nvPr/>
+        </p:nvPicPr>
+        <p:blipFill>
+          <a:blip r:embed="rId2"/>
+          <a:stretch>
+            <a:fillRect/>
+          </a:stretch>
+        </p:blipFill>
+        <p:spPr>
+          <a:xfrm>
+            <a:off x="1321559" y="-1098702"/>
+            <a:ext cx="2602488" cy="1817909"/>
+          </a:xfrm>
+          <a:prstGeom prst="rect">
+            <a:avLst/>
+          </a:prstGeom>
+        </p:spPr>
+      </p:pic>
+      <p:sp>
+        <p:nvSpPr>
+          <p:cNvPr id="43" name="직사각형 42">
+            <a:extLst>
+              <a:ext uri="{FF2B5EF4-FFF2-40B4-BE49-F238E27FC236}">
+                <a16:creationId xmlns:a16="http://schemas.microsoft.com/office/drawing/2014/main" id="{0160A161-85BE-4F04-B4EA-CE93FAA1CAA8}"/>
               </a:ext>
             </a:extLst>
           </p:cNvPr>
@@ -18849,7 +19732,729 @@
         </p:nvSpPr>
         <p:spPr>
           <a:xfrm>
-            <a:off x="4080529" y="3915903"/>
+            <a:off x="-1798320" y="975632"/>
+            <a:ext cx="4470916" cy="1817909"/>
+          </a:xfrm>
+          <a:prstGeom prst="rect">
+            <a:avLst/>
+          </a:prstGeom>
+          <a:solidFill>
+            <a:schemeClr val="accent3">
+              <a:lumMod val="20000"/>
+              <a:lumOff val="80000"/>
+            </a:schemeClr>
+          </a:solidFill>
+        </p:spPr>
+        <p:style>
+          <a:lnRef idx="2">
+            <a:schemeClr val="accent1">
+              <a:shade val="50000"/>
+            </a:schemeClr>
+          </a:lnRef>
+          <a:fillRef idx="1">
+            <a:schemeClr val="accent1"/>
+          </a:fillRef>
+          <a:effectRef idx="0">
+            <a:schemeClr val="accent1"/>
+          </a:effectRef>
+          <a:fontRef idx="minor">
+            <a:schemeClr val="lt1"/>
+          </a:fontRef>
+        </p:style>
+        <p:txBody>
+          <a:bodyPr rtlCol="0" anchor="ctr"/>
+          <a:lstStyle/>
+          <a:p>
+            <a:pPr algn="ctr"/>
+            <a:endParaRPr lang="en-US" altLang="ko-KR" dirty="0">
+              <a:hlinkClick r:id="rId3"/>
+            </a:endParaRPr>
+          </a:p>
+          <a:p>
+            <a:r>
+              <a:rPr lang="en-US" altLang="ko-KR" dirty="0">
+                <a:hlinkClick r:id="rId4"/>
+              </a:rPr>
+              <a:t>http://localhost:8088/phonebook3/</a:t>
+            </a:r>
+            <a:endParaRPr lang="en-US" altLang="ko-KR" dirty="0"/>
+          </a:p>
+          <a:p>
+            <a:r>
+              <a:rPr lang="en-US" altLang="ko-KR" dirty="0">
+                <a:solidFill>
+                  <a:schemeClr val="tx1"/>
+                </a:solidFill>
+              </a:rPr>
+              <a:t>update?</a:t>
+            </a:r>
+          </a:p>
+          <a:p>
+            <a:r>
+              <a:rPr lang="en-US" altLang="ko-KR" dirty="0">
+                <a:solidFill>
+                  <a:schemeClr val="tx1"/>
+                </a:solidFill>
+              </a:rPr>
+              <a:t>name=?</a:t>
+            </a:r>
+          </a:p>
+          <a:p>
+            <a:r>
+              <a:rPr lang="en-US" altLang="ko-KR" dirty="0">
+                <a:solidFill>
+                  <a:schemeClr val="tx1"/>
+                </a:solidFill>
+              </a:rPr>
+              <a:t>&amp;hp=?</a:t>
+            </a:r>
+          </a:p>
+          <a:p>
+            <a:r>
+              <a:rPr lang="en-US" altLang="ko-KR" dirty="0">
+                <a:solidFill>
+                  <a:schemeClr val="tx1"/>
+                </a:solidFill>
+              </a:rPr>
+              <a:t>&amp;company=?</a:t>
+            </a:r>
+          </a:p>
+          <a:p>
+            <a:r>
+              <a:rPr lang="en-US" altLang="ko-KR" dirty="0">
+                <a:solidFill>
+                  <a:schemeClr val="tx1"/>
+                </a:solidFill>
+              </a:rPr>
+              <a:t>&amp;</a:t>
+            </a:r>
+            <a:r>
+              <a:rPr lang="en-US" altLang="ko-KR" dirty="0" err="1">
+                <a:solidFill>
+                  <a:schemeClr val="tx1"/>
+                </a:solidFill>
+              </a:rPr>
+              <a:t>personId</a:t>
+            </a:r>
+            <a:r>
+              <a:rPr lang="en-US" altLang="ko-KR" dirty="0">
+                <a:solidFill>
+                  <a:schemeClr val="tx1"/>
+                </a:solidFill>
+              </a:rPr>
+              <a:t>=?</a:t>
+            </a:r>
+          </a:p>
+          <a:p>
+            <a:pPr algn="ctr"/>
+            <a:endParaRPr lang="en-US" altLang="ko-KR" dirty="0"/>
+          </a:p>
+        </p:txBody>
+      </p:sp>
+      <p:cxnSp>
+        <p:nvCxnSpPr>
+          <p:cNvPr id="44" name="직선 화살표 연결선 43">
+            <a:extLst>
+              <a:ext uri="{FF2B5EF4-FFF2-40B4-BE49-F238E27FC236}">
+                <a16:creationId xmlns:a16="http://schemas.microsoft.com/office/drawing/2014/main" id="{359E338C-1D4E-4DC0-934E-6753B6909690}"/>
+              </a:ext>
+            </a:extLst>
+          </p:cNvPr>
+          <p:cNvCxnSpPr>
+            <a:cxnSpLocks/>
+          </p:cNvCxnSpPr>
+          <p:nvPr/>
+        </p:nvCxnSpPr>
+        <p:spPr>
+          <a:xfrm>
+            <a:off x="1458410" y="520861"/>
+            <a:ext cx="0" cy="723210"/>
+          </a:xfrm>
+          <a:prstGeom prst="straightConnector1">
+            <a:avLst/>
+          </a:prstGeom>
+          <a:ln>
+            <a:tailEnd type="triangle"/>
+          </a:ln>
+        </p:spPr>
+        <p:style>
+          <a:lnRef idx="1">
+            <a:schemeClr val="dk1"/>
+          </a:lnRef>
+          <a:fillRef idx="0">
+            <a:schemeClr val="dk1"/>
+          </a:fillRef>
+          <a:effectRef idx="0">
+            <a:schemeClr val="dk1"/>
+          </a:effectRef>
+          <a:fontRef idx="minor">
+            <a:schemeClr val="tx1"/>
+          </a:fontRef>
+        </p:style>
+      </p:cxnSp>
+      <p:cxnSp>
+        <p:nvCxnSpPr>
+          <p:cNvPr id="45" name="직선 화살표 연결선 44">
+            <a:extLst>
+              <a:ext uri="{FF2B5EF4-FFF2-40B4-BE49-F238E27FC236}">
+                <a16:creationId xmlns:a16="http://schemas.microsoft.com/office/drawing/2014/main" id="{9BC72316-DC76-4E50-9907-20B6625E4393}"/>
+              </a:ext>
+            </a:extLst>
+          </p:cNvPr>
+          <p:cNvCxnSpPr>
+            <a:cxnSpLocks/>
+          </p:cNvCxnSpPr>
+          <p:nvPr/>
+        </p:nvCxnSpPr>
+        <p:spPr>
+          <a:xfrm>
+            <a:off x="2348454" y="1704707"/>
+            <a:ext cx="1803997" cy="1227661"/>
+          </a:xfrm>
+          <a:prstGeom prst="straightConnector1">
+            <a:avLst/>
+          </a:prstGeom>
+          <a:ln>
+            <a:tailEnd type="triangle"/>
+          </a:ln>
+        </p:spPr>
+        <p:style>
+          <a:lnRef idx="1">
+            <a:schemeClr val="dk1"/>
+          </a:lnRef>
+          <a:fillRef idx="0">
+            <a:schemeClr val="dk1"/>
+          </a:fillRef>
+          <a:effectRef idx="0">
+            <a:schemeClr val="dk1"/>
+          </a:effectRef>
+          <a:fontRef idx="minor">
+            <a:schemeClr val="tx1"/>
+          </a:fontRef>
+        </p:style>
+      </p:cxnSp>
+      <p:cxnSp>
+        <p:nvCxnSpPr>
+          <p:cNvPr id="52" name="직선 화살표 연결선 51">
+            <a:extLst>
+              <a:ext uri="{FF2B5EF4-FFF2-40B4-BE49-F238E27FC236}">
+                <a16:creationId xmlns:a16="http://schemas.microsoft.com/office/drawing/2014/main" id="{8F191EDA-425E-41F2-BF4A-DA9EBEF74B82}"/>
+              </a:ext>
+            </a:extLst>
+          </p:cNvPr>
+          <p:cNvCxnSpPr>
+            <a:cxnSpLocks/>
+          </p:cNvCxnSpPr>
+          <p:nvPr/>
+        </p:nvCxnSpPr>
+        <p:spPr>
+          <a:xfrm flipV="1">
+            <a:off x="11928569" y="2619055"/>
+            <a:ext cx="1090577" cy="13785"/>
+          </a:xfrm>
+          <a:prstGeom prst="straightConnector1">
+            <a:avLst/>
+          </a:prstGeom>
+          <a:ln>
+            <a:tailEnd type="triangle"/>
+          </a:ln>
+        </p:spPr>
+        <p:style>
+          <a:lnRef idx="3">
+            <a:schemeClr val="dk1"/>
+          </a:lnRef>
+          <a:fillRef idx="0">
+            <a:schemeClr val="dk1"/>
+          </a:fillRef>
+          <a:effectRef idx="2">
+            <a:schemeClr val="dk1"/>
+          </a:effectRef>
+          <a:fontRef idx="minor">
+            <a:schemeClr val="tx1"/>
+          </a:fontRef>
+        </p:style>
+      </p:cxnSp>
+      <p:cxnSp>
+        <p:nvCxnSpPr>
+          <p:cNvPr id="53" name="직선 화살표 연결선 52">
+            <a:extLst>
+              <a:ext uri="{FF2B5EF4-FFF2-40B4-BE49-F238E27FC236}">
+                <a16:creationId xmlns:a16="http://schemas.microsoft.com/office/drawing/2014/main" id="{D03D7C65-9C35-43B3-97BD-D7C4D15817A4}"/>
+              </a:ext>
+            </a:extLst>
+          </p:cNvPr>
+          <p:cNvCxnSpPr>
+            <a:cxnSpLocks/>
+          </p:cNvCxnSpPr>
+          <p:nvPr/>
+        </p:nvCxnSpPr>
+        <p:spPr>
+          <a:xfrm flipH="1">
+            <a:off x="11922672" y="2709014"/>
+            <a:ext cx="1096474" cy="0"/>
+          </a:xfrm>
+          <a:prstGeom prst="straightConnector1">
+            <a:avLst/>
+          </a:prstGeom>
+          <a:ln>
+            <a:tailEnd type="triangle"/>
+          </a:ln>
+        </p:spPr>
+        <p:style>
+          <a:lnRef idx="3">
+            <a:schemeClr val="dk1"/>
+          </a:lnRef>
+          <a:fillRef idx="0">
+            <a:schemeClr val="dk1"/>
+          </a:fillRef>
+          <a:effectRef idx="2">
+            <a:schemeClr val="dk1"/>
+          </a:effectRef>
+          <a:fontRef idx="minor">
+            <a:schemeClr val="tx1"/>
+          </a:fontRef>
+        </p:style>
+      </p:cxnSp>
+      <p:sp>
+        <p:nvSpPr>
+          <p:cNvPr id="54" name="TextBox 53">
+            <a:extLst>
+              <a:ext uri="{FF2B5EF4-FFF2-40B4-BE49-F238E27FC236}">
+                <a16:creationId xmlns:a16="http://schemas.microsoft.com/office/drawing/2014/main" id="{CBDBAED5-219D-45BA-9FC8-3A2F93996CC7}"/>
+              </a:ext>
+            </a:extLst>
+          </p:cNvPr>
+          <p:cNvSpPr txBox="1"/>
+          <p:nvPr/>
+        </p:nvSpPr>
+        <p:spPr>
+          <a:xfrm>
+            <a:off x="12110219" y="2290470"/>
+            <a:ext cx="1195953" cy="338554"/>
+          </a:xfrm>
+          <a:prstGeom prst="rect">
+            <a:avLst/>
+          </a:prstGeom>
+          <a:noFill/>
+        </p:spPr>
+        <p:txBody>
+          <a:bodyPr wrap="square" rtlCol="0">
+            <a:spAutoFit/>
+          </a:bodyPr>
+          <a:lstStyle/>
+          <a:p>
+            <a:r>
+              <a:rPr lang="en-US" altLang="ko-KR" sz="1600" dirty="0" err="1"/>
+              <a:t>personVo</a:t>
+            </a:r>
+            <a:endParaRPr lang="ko-KR" altLang="en-US" sz="2000" dirty="0"/>
+          </a:p>
+        </p:txBody>
+      </p:sp>
+      <p:sp>
+        <p:nvSpPr>
+          <p:cNvPr id="55" name="사각형: 둥근 모서리 54">
+            <a:extLst>
+              <a:ext uri="{FF2B5EF4-FFF2-40B4-BE49-F238E27FC236}">
+                <a16:creationId xmlns:a16="http://schemas.microsoft.com/office/drawing/2014/main" id="{5C3CE3AF-47F7-443A-88D8-362D57B931C0}"/>
+              </a:ext>
+            </a:extLst>
+          </p:cNvPr>
+          <p:cNvSpPr/>
+          <p:nvPr/>
+        </p:nvSpPr>
+        <p:spPr>
+          <a:xfrm>
+            <a:off x="13096115" y="1567730"/>
+            <a:ext cx="2781497" cy="1666216"/>
+          </a:xfrm>
+          <a:prstGeom prst="roundRect">
+            <a:avLst/>
+          </a:prstGeom>
+          <a:solidFill>
+            <a:schemeClr val="bg1"/>
+          </a:solidFill>
+        </p:spPr>
+        <p:style>
+          <a:lnRef idx="2">
+            <a:schemeClr val="accent1">
+              <a:shade val="50000"/>
+            </a:schemeClr>
+          </a:lnRef>
+          <a:fillRef idx="1">
+            <a:schemeClr val="accent1"/>
+          </a:fillRef>
+          <a:effectRef idx="0">
+            <a:schemeClr val="accent1"/>
+          </a:effectRef>
+          <a:fontRef idx="minor">
+            <a:schemeClr val="lt1"/>
+          </a:fontRef>
+        </p:style>
+        <p:txBody>
+          <a:bodyPr rtlCol="0" anchor="ctr"/>
+          <a:lstStyle/>
+          <a:p>
+            <a:pPr algn="ctr"/>
+            <a:r>
+              <a:rPr lang="en-US" altLang="ko-KR" sz="1600" b="1" dirty="0" err="1">
+                <a:solidFill>
+                  <a:schemeClr val="tx1"/>
+                </a:solidFill>
+              </a:rPr>
+              <a:t>personUpdate</a:t>
+            </a:r>
+            <a:r>
+              <a:rPr lang="en-US" altLang="ko-KR" sz="1600" b="1" dirty="0">
+                <a:solidFill>
+                  <a:schemeClr val="tx1"/>
+                </a:solidFill>
+              </a:rPr>
+              <a:t>(</a:t>
+            </a:r>
+            <a:r>
+              <a:rPr lang="en-US" altLang="ko-KR" sz="1600" b="1" dirty="0" err="1">
+                <a:solidFill>
+                  <a:schemeClr val="tx1"/>
+                </a:solidFill>
+              </a:rPr>
+              <a:t>personVo</a:t>
+            </a:r>
+            <a:r>
+              <a:rPr lang="en-US" altLang="ko-KR" sz="1600" b="1" dirty="0">
+                <a:solidFill>
+                  <a:schemeClr val="tx1"/>
+                </a:solidFill>
+              </a:rPr>
+              <a:t>)</a:t>
+            </a:r>
+            <a:endParaRPr lang="ko-KR" altLang="en-US" sz="1600" b="1" dirty="0">
+              <a:solidFill>
+                <a:schemeClr val="tx1"/>
+              </a:solidFill>
+            </a:endParaRPr>
+          </a:p>
+        </p:txBody>
+      </p:sp>
+      <p:sp>
+        <p:nvSpPr>
+          <p:cNvPr id="56" name="TextBox 55">
+            <a:extLst>
+              <a:ext uri="{FF2B5EF4-FFF2-40B4-BE49-F238E27FC236}">
+                <a16:creationId xmlns:a16="http://schemas.microsoft.com/office/drawing/2014/main" id="{EA63D33D-C962-4CEC-8441-988000AEFF26}"/>
+              </a:ext>
+            </a:extLst>
+          </p:cNvPr>
+          <p:cNvSpPr txBox="1"/>
+          <p:nvPr/>
+        </p:nvSpPr>
+        <p:spPr>
+          <a:xfrm>
+            <a:off x="13535363" y="1175688"/>
+            <a:ext cx="2094086" cy="400110"/>
+          </a:xfrm>
+          <a:prstGeom prst="rect">
+            <a:avLst/>
+          </a:prstGeom>
+          <a:noFill/>
+        </p:spPr>
+        <p:txBody>
+          <a:bodyPr wrap="square" rtlCol="0">
+            <a:spAutoFit/>
+          </a:bodyPr>
+          <a:lstStyle/>
+          <a:p>
+            <a:r>
+              <a:rPr lang="en-US" altLang="ko-KR" sz="2000" b="1" dirty="0" err="1"/>
+              <a:t>PhoneDao</a:t>
+            </a:r>
+            <a:r>
+              <a:rPr lang="en-US" altLang="ko-KR" sz="2000" b="1" dirty="0"/>
+              <a:t> </a:t>
+            </a:r>
+            <a:r>
+              <a:rPr lang="ko-KR" altLang="en-US" sz="2000" b="1" dirty="0"/>
+              <a:t>객체</a:t>
+            </a:r>
+          </a:p>
+        </p:txBody>
+      </p:sp>
+      <p:sp>
+        <p:nvSpPr>
+          <p:cNvPr id="57" name="원통형 56">
+            <a:extLst>
+              <a:ext uri="{FF2B5EF4-FFF2-40B4-BE49-F238E27FC236}">
+                <a16:creationId xmlns:a16="http://schemas.microsoft.com/office/drawing/2014/main" id="{06F587CF-FA5A-4CDC-9333-73A1D0B39FBD}"/>
+              </a:ext>
+            </a:extLst>
+          </p:cNvPr>
+          <p:cNvSpPr/>
+          <p:nvPr/>
+        </p:nvSpPr>
+        <p:spPr>
+          <a:xfrm>
+            <a:off x="13619993" y="3782413"/>
+            <a:ext cx="1924825" cy="2168820"/>
+          </a:xfrm>
+          <a:prstGeom prst="can">
+            <a:avLst/>
+          </a:prstGeom>
+          <a:noFill/>
+        </p:spPr>
+        <p:style>
+          <a:lnRef idx="2">
+            <a:schemeClr val="accent1">
+              <a:shade val="50000"/>
+            </a:schemeClr>
+          </a:lnRef>
+          <a:fillRef idx="1">
+            <a:schemeClr val="accent1"/>
+          </a:fillRef>
+          <a:effectRef idx="0">
+            <a:schemeClr val="accent1"/>
+          </a:effectRef>
+          <a:fontRef idx="minor">
+            <a:schemeClr val="lt1"/>
+          </a:fontRef>
+        </p:style>
+        <p:txBody>
+          <a:bodyPr rtlCol="0" anchor="ctr"/>
+          <a:lstStyle/>
+          <a:p>
+            <a:pPr algn="ctr"/>
+            <a:endParaRPr lang="ko-KR" altLang="en-US" dirty="0"/>
+          </a:p>
+        </p:txBody>
+      </p:sp>
+      <p:cxnSp>
+        <p:nvCxnSpPr>
+          <p:cNvPr id="58" name="직선 화살표 연결선 57">
+            <a:extLst>
+              <a:ext uri="{FF2B5EF4-FFF2-40B4-BE49-F238E27FC236}">
+                <a16:creationId xmlns:a16="http://schemas.microsoft.com/office/drawing/2014/main" id="{7EB50D42-0259-4698-9608-198E8ED37F6D}"/>
+              </a:ext>
+            </a:extLst>
+          </p:cNvPr>
+          <p:cNvCxnSpPr>
+            <a:cxnSpLocks/>
+          </p:cNvCxnSpPr>
+          <p:nvPr/>
+        </p:nvCxnSpPr>
+        <p:spPr>
+          <a:xfrm>
+            <a:off x="14414784" y="3140541"/>
+            <a:ext cx="0" cy="852668"/>
+          </a:xfrm>
+          <a:prstGeom prst="straightConnector1">
+            <a:avLst/>
+          </a:prstGeom>
+          <a:ln>
+            <a:tailEnd type="triangle"/>
+          </a:ln>
+        </p:spPr>
+        <p:style>
+          <a:lnRef idx="3">
+            <a:schemeClr val="dk1"/>
+          </a:lnRef>
+          <a:fillRef idx="0">
+            <a:schemeClr val="dk1"/>
+          </a:fillRef>
+          <a:effectRef idx="2">
+            <a:schemeClr val="dk1"/>
+          </a:effectRef>
+          <a:fontRef idx="minor">
+            <a:schemeClr val="tx1"/>
+          </a:fontRef>
+        </p:style>
+      </p:cxnSp>
+      <p:cxnSp>
+        <p:nvCxnSpPr>
+          <p:cNvPr id="59" name="직선 화살표 연결선 58">
+            <a:extLst>
+              <a:ext uri="{FF2B5EF4-FFF2-40B4-BE49-F238E27FC236}">
+                <a16:creationId xmlns:a16="http://schemas.microsoft.com/office/drawing/2014/main" id="{4A0B16C5-35EA-4EF4-9D5D-254B4B258516}"/>
+              </a:ext>
+            </a:extLst>
+          </p:cNvPr>
+          <p:cNvCxnSpPr>
+            <a:cxnSpLocks/>
+          </p:cNvCxnSpPr>
+          <p:nvPr/>
+        </p:nvCxnSpPr>
+        <p:spPr>
+          <a:xfrm flipH="1" flipV="1">
+            <a:off x="14704325" y="3105336"/>
+            <a:ext cx="1" cy="858433"/>
+          </a:xfrm>
+          <a:prstGeom prst="straightConnector1">
+            <a:avLst/>
+          </a:prstGeom>
+          <a:ln>
+            <a:tailEnd type="triangle"/>
+          </a:ln>
+        </p:spPr>
+        <p:style>
+          <a:lnRef idx="3">
+            <a:schemeClr val="dk1"/>
+          </a:lnRef>
+          <a:fillRef idx="0">
+            <a:schemeClr val="dk1"/>
+          </a:fillRef>
+          <a:effectRef idx="2">
+            <a:schemeClr val="dk1"/>
+          </a:effectRef>
+          <a:fontRef idx="minor">
+            <a:schemeClr val="tx1"/>
+          </a:fontRef>
+        </p:style>
+      </p:cxnSp>
+      <p:sp>
+        <p:nvSpPr>
+          <p:cNvPr id="60" name="TextBox 59">
+            <a:extLst>
+              <a:ext uri="{FF2B5EF4-FFF2-40B4-BE49-F238E27FC236}">
+                <a16:creationId xmlns:a16="http://schemas.microsoft.com/office/drawing/2014/main" id="{F34D41F6-DC2C-44EA-80CF-D6C020B9EA88}"/>
+              </a:ext>
+            </a:extLst>
+          </p:cNvPr>
+          <p:cNvSpPr txBox="1"/>
+          <p:nvPr/>
+        </p:nvSpPr>
+        <p:spPr>
+          <a:xfrm>
+            <a:off x="14218939" y="4643939"/>
+            <a:ext cx="1325879" cy="646331"/>
+          </a:xfrm>
+          <a:prstGeom prst="rect">
+            <a:avLst/>
+          </a:prstGeom>
+          <a:noFill/>
+        </p:spPr>
+        <p:txBody>
+          <a:bodyPr wrap="square" rtlCol="0">
+            <a:spAutoFit/>
+          </a:bodyPr>
+          <a:lstStyle/>
+          <a:p>
+            <a:r>
+              <a:rPr lang="en-US" altLang="ko-KR" sz="3600" b="1" dirty="0"/>
+              <a:t>DB</a:t>
+            </a:r>
+            <a:endParaRPr lang="ko-KR" altLang="en-US" sz="3600" b="1" dirty="0"/>
+          </a:p>
+        </p:txBody>
+      </p:sp>
+      <p:sp>
+        <p:nvSpPr>
+          <p:cNvPr id="62" name="TextBox 61">
+            <a:extLst>
+              <a:ext uri="{FF2B5EF4-FFF2-40B4-BE49-F238E27FC236}">
+                <a16:creationId xmlns:a16="http://schemas.microsoft.com/office/drawing/2014/main" id="{6357E007-33E4-48FE-830A-A679DBC48A1D}"/>
+              </a:ext>
+            </a:extLst>
+          </p:cNvPr>
+          <p:cNvSpPr txBox="1"/>
+          <p:nvPr/>
+        </p:nvSpPr>
+        <p:spPr>
+          <a:xfrm>
+            <a:off x="12199408" y="2667190"/>
+            <a:ext cx="1195953" cy="338554"/>
+          </a:xfrm>
+          <a:prstGeom prst="rect">
+            <a:avLst/>
+          </a:prstGeom>
+          <a:noFill/>
+        </p:spPr>
+        <p:txBody>
+          <a:bodyPr wrap="square" rtlCol="0">
+            <a:spAutoFit/>
+          </a:bodyPr>
+          <a:lstStyle/>
+          <a:p>
+            <a:r>
+              <a:rPr lang="en-US" altLang="ko-KR" sz="1600" dirty="0"/>
+              <a:t>count</a:t>
+            </a:r>
+            <a:endParaRPr lang="ko-KR" altLang="en-US" sz="2000" dirty="0"/>
+          </a:p>
+        </p:txBody>
+      </p:sp>
+      <p:sp>
+        <p:nvSpPr>
+          <p:cNvPr id="63" name="직사각형 62">
+            <a:extLst>
+              <a:ext uri="{FF2B5EF4-FFF2-40B4-BE49-F238E27FC236}">
+                <a16:creationId xmlns:a16="http://schemas.microsoft.com/office/drawing/2014/main" id="{119E8050-0902-42B2-AB8F-D01C2FB415D1}"/>
+              </a:ext>
+            </a:extLst>
+          </p:cNvPr>
+          <p:cNvSpPr/>
+          <p:nvPr/>
+        </p:nvSpPr>
+        <p:spPr>
+          <a:xfrm>
+            <a:off x="9593570" y="4339530"/>
+            <a:ext cx="2799738" cy="774838"/>
+          </a:xfrm>
+          <a:prstGeom prst="rect">
+            <a:avLst/>
+          </a:prstGeom>
+          <a:solidFill>
+            <a:srgbClr val="C00000"/>
+          </a:solidFill>
+        </p:spPr>
+        <p:style>
+          <a:lnRef idx="2">
+            <a:schemeClr val="accent1">
+              <a:shade val="50000"/>
+            </a:schemeClr>
+          </a:lnRef>
+          <a:fillRef idx="1">
+            <a:schemeClr val="accent1"/>
+          </a:fillRef>
+          <a:effectRef idx="0">
+            <a:schemeClr val="accent1"/>
+          </a:effectRef>
+          <a:fontRef idx="minor">
+            <a:schemeClr val="lt1"/>
+          </a:fontRef>
+        </p:style>
+        <p:txBody>
+          <a:bodyPr rtlCol="0" anchor="ctr"/>
+          <a:lstStyle/>
+          <a:p>
+            <a:pPr algn="ctr"/>
+            <a:r>
+              <a:rPr lang="en-US" altLang="ko-KR" dirty="0"/>
+              <a:t>view</a:t>
+            </a:r>
+          </a:p>
+          <a:p>
+            <a:pPr algn="ctr"/>
+            <a:r>
+              <a:rPr lang="en-US" altLang="ko-KR" dirty="0"/>
+              <a:t>Return “redirect:/list”</a:t>
+            </a:r>
+            <a:endParaRPr lang="ko-KR" altLang="en-US" dirty="0"/>
+          </a:p>
+        </p:txBody>
+      </p:sp>
+      <p:sp>
+        <p:nvSpPr>
+          <p:cNvPr id="64" name="사각형: 둥근 모서리 63">
+            <a:extLst>
+              <a:ext uri="{FF2B5EF4-FFF2-40B4-BE49-F238E27FC236}">
+                <a16:creationId xmlns:a16="http://schemas.microsoft.com/office/drawing/2014/main" id="{C51E8E78-D784-4F95-87EB-6C3A51729EAB}"/>
+              </a:ext>
+            </a:extLst>
+          </p:cNvPr>
+          <p:cNvSpPr/>
+          <p:nvPr/>
+        </p:nvSpPr>
+        <p:spPr>
+          <a:xfrm>
+            <a:off x="4017116" y="3917868"/>
             <a:ext cx="2213775" cy="1134687"/>
           </a:xfrm>
           <a:prstGeom prst="roundRect">
@@ -18891,7 +20496,25 @@
               </a:rPr>
               <a:t>Response</a:t>
             </a:r>
-            <a:endParaRPr lang="ko-KR" altLang="en-US" b="1" dirty="0">
+          </a:p>
+          <a:p>
+            <a:pPr algn="ctr"/>
+            <a:endParaRPr lang="en-US" altLang="ko-KR" sz="800" b="1" dirty="0">
+              <a:solidFill>
+                <a:schemeClr val="tx1"/>
+              </a:solidFill>
+            </a:endParaRPr>
+          </a:p>
+          <a:p>
+            <a:r>
+              <a:rPr lang="ko-KR" altLang="en-US" sz="1200" b="1" dirty="0" err="1">
+                <a:solidFill>
+                  <a:schemeClr val="tx1"/>
+                </a:solidFill>
+              </a:rPr>
+              <a:t>리다이렉트</a:t>
+            </a:r>
+            <a:endParaRPr lang="en-US" altLang="ko-KR" sz="1200" b="1" dirty="0">
               <a:solidFill>
                 <a:schemeClr val="tx1"/>
               </a:solidFill>
@@ -18899,6 +20522,174 @@
           </a:p>
         </p:txBody>
       </p:sp>
+      <p:cxnSp>
+        <p:nvCxnSpPr>
+          <p:cNvPr id="66" name="직선 화살표 연결선 65">
+            <a:extLst>
+              <a:ext uri="{FF2B5EF4-FFF2-40B4-BE49-F238E27FC236}">
+                <a16:creationId xmlns:a16="http://schemas.microsoft.com/office/drawing/2014/main" id="{86FC7C5E-16E5-4368-8E54-E6F183F99746}"/>
+              </a:ext>
+            </a:extLst>
+          </p:cNvPr>
+          <p:cNvCxnSpPr>
+            <a:cxnSpLocks/>
+          </p:cNvCxnSpPr>
+          <p:nvPr/>
+        </p:nvCxnSpPr>
+        <p:spPr>
+          <a:xfrm flipH="1" flipV="1">
+            <a:off x="1614257" y="3566875"/>
+            <a:ext cx="2515140" cy="598924"/>
+          </a:xfrm>
+          <a:prstGeom prst="straightConnector1">
+            <a:avLst/>
+          </a:prstGeom>
+          <a:ln>
+            <a:tailEnd type="triangle"/>
+          </a:ln>
+        </p:spPr>
+        <p:style>
+          <a:lnRef idx="1">
+            <a:schemeClr val="dk1"/>
+          </a:lnRef>
+          <a:fillRef idx="0">
+            <a:schemeClr val="dk1"/>
+          </a:fillRef>
+          <a:effectRef idx="0">
+            <a:schemeClr val="dk1"/>
+          </a:effectRef>
+          <a:fontRef idx="minor">
+            <a:schemeClr val="tx1"/>
+          </a:fontRef>
+        </p:style>
+      </p:cxnSp>
+      <p:sp>
+        <p:nvSpPr>
+          <p:cNvPr id="67" name="직사각형 66">
+            <a:extLst>
+              <a:ext uri="{FF2B5EF4-FFF2-40B4-BE49-F238E27FC236}">
+                <a16:creationId xmlns:a16="http://schemas.microsoft.com/office/drawing/2014/main" id="{D43D2B68-EE73-492F-BFE4-CC67BE9BF020}"/>
+              </a:ext>
+            </a:extLst>
+          </p:cNvPr>
+          <p:cNvSpPr/>
+          <p:nvPr/>
+        </p:nvSpPr>
+        <p:spPr>
+          <a:xfrm>
+            <a:off x="-1597570" y="2896779"/>
+            <a:ext cx="3636637" cy="1477722"/>
+          </a:xfrm>
+          <a:prstGeom prst="rect">
+            <a:avLst/>
+          </a:prstGeom>
+        </p:spPr>
+        <p:style>
+          <a:lnRef idx="2">
+            <a:schemeClr val="dk1"/>
+          </a:lnRef>
+          <a:fillRef idx="1">
+            <a:schemeClr val="lt1"/>
+          </a:fillRef>
+          <a:effectRef idx="0">
+            <a:schemeClr val="dk1"/>
+          </a:effectRef>
+          <a:fontRef idx="minor">
+            <a:schemeClr val="dk1"/>
+          </a:fontRef>
+        </p:style>
+        <p:txBody>
+          <a:bodyPr rtlCol="0" anchor="ctr"/>
+          <a:lstStyle/>
+          <a:p>
+            <a:pPr algn="ctr"/>
+            <a:r>
+              <a:rPr lang="ko-KR" altLang="en-US" dirty="0" err="1"/>
+              <a:t>빈화면</a:t>
+            </a:r>
+            <a:endParaRPr lang="en-US" altLang="ko-KR" dirty="0"/>
+          </a:p>
+          <a:p>
+            <a:pPr algn="ctr"/>
+            <a:r>
+              <a:rPr lang="ko-KR" altLang="en-US" dirty="0" err="1"/>
+              <a:t>리다이렉트</a:t>
+            </a:r>
+            <a:endParaRPr lang="ko-KR" altLang="en-US" dirty="0"/>
+          </a:p>
+        </p:txBody>
+      </p:sp>
+      <p:pic>
+        <p:nvPicPr>
+          <p:cNvPr id="13" name="그림 12">
+            <a:extLst>
+              <a:ext uri="{FF2B5EF4-FFF2-40B4-BE49-F238E27FC236}">
+                <a16:creationId xmlns:a16="http://schemas.microsoft.com/office/drawing/2014/main" id="{C96EFEC9-06B1-4611-AAB2-E6C9E2FFDFA2}"/>
+              </a:ext>
+            </a:extLst>
+          </p:cNvPr>
+          <p:cNvPicPr>
+            <a:picLocks noChangeAspect="1"/>
+          </p:cNvPicPr>
+          <p:nvPr/>
+        </p:nvPicPr>
+        <p:blipFill>
+          <a:blip r:embed="rId5"/>
+          <a:stretch>
+            <a:fillRect/>
+          </a:stretch>
+        </p:blipFill>
+        <p:spPr>
+          <a:xfrm>
+            <a:off x="-375134" y="4939133"/>
+            <a:ext cx="3667088" cy="2409635"/>
+          </a:xfrm>
+          <a:prstGeom prst="rect">
+            <a:avLst/>
+          </a:prstGeom>
+        </p:spPr>
+      </p:pic>
+      <p:cxnSp>
+        <p:nvCxnSpPr>
+          <p:cNvPr id="68" name="직선 화살표 연결선 67">
+            <a:extLst>
+              <a:ext uri="{FF2B5EF4-FFF2-40B4-BE49-F238E27FC236}">
+                <a16:creationId xmlns:a16="http://schemas.microsoft.com/office/drawing/2014/main" id="{4D0EB436-72B5-455A-B32D-B97F849E385B}"/>
+              </a:ext>
+            </a:extLst>
+          </p:cNvPr>
+          <p:cNvCxnSpPr>
+            <a:cxnSpLocks/>
+          </p:cNvCxnSpPr>
+          <p:nvPr/>
+        </p:nvCxnSpPr>
+        <p:spPr>
+          <a:xfrm flipH="1">
+            <a:off x="1581520" y="3875594"/>
+            <a:ext cx="32737" cy="1541358"/>
+          </a:xfrm>
+          <a:prstGeom prst="straightConnector1">
+            <a:avLst/>
+          </a:prstGeom>
+          <a:ln>
+            <a:tailEnd type="triangle"/>
+          </a:ln>
+        </p:spPr>
+        <p:style>
+          <a:lnRef idx="1">
+            <a:schemeClr val="dk1"/>
+          </a:lnRef>
+          <a:fillRef idx="0">
+            <a:schemeClr val="dk1"/>
+          </a:fillRef>
+          <a:effectRef idx="0">
+            <a:schemeClr val="dk1"/>
+          </a:effectRef>
+          <a:fontRef idx="minor">
+            <a:schemeClr val="tx1"/>
+          </a:fontRef>
+        </p:style>
+      </p:cxnSp>
     </p:spTree>
     <p:extLst>
       <p:ext uri="{BB962C8B-B14F-4D97-AF65-F5344CB8AC3E}">
